--- a/deep-learning-in-practice-with-pytorch/2-convolutional-neural-networks.pptx
+++ b/deep-learning-in-practice-with-pytorch/2-convolutional-neural-networks.pptx
@@ -7,10 +7,19 @@
   <p:sldIdLst>
     <p:sldId id="257" r:id="rId2"/>
     <p:sldId id="258" r:id="rId3"/>
-    <p:sldId id="259" r:id="rId4"/>
-    <p:sldId id="260" r:id="rId5"/>
-    <p:sldId id="262" r:id="rId6"/>
-    <p:sldId id="261" r:id="rId7"/>
+    <p:sldId id="264" r:id="rId4"/>
+    <p:sldId id="263" r:id="rId5"/>
+    <p:sldId id="265" r:id="rId6"/>
+    <p:sldId id="266" r:id="rId7"/>
+    <p:sldId id="267" r:id="rId8"/>
+    <p:sldId id="268" r:id="rId9"/>
+    <p:sldId id="270" r:id="rId10"/>
+    <p:sldId id="269" r:id="rId11"/>
+    <p:sldId id="259" r:id="rId12"/>
+    <p:sldId id="260" r:id="rId13"/>
+    <p:sldId id="262" r:id="rId14"/>
+    <p:sldId id="261" r:id="rId15"/>
+    <p:sldId id="271" r:id="rId16"/>
   </p:sldIdLst>
   <p:sldSz cx="12192000" cy="6858000"/>
   <p:notesSz cx="6858000" cy="9144000"/>
@@ -1399,16 +1408,7 @@
                 </a:solidFill>
                 <a:latin typeface="+mn-lt"/>
               </a:rPr>
-              <a:t>TITLE OF THE PRESENTATION HERE (MODIFY IN VIEW -&gt; MASK</a:t>
-            </a:r>
-            <a:r>
-              <a:rPr lang="it-IT" sz="1000" baseline="0" dirty="0">
-                <a:solidFill>
-                  <a:srgbClr val="275662"/>
-                </a:solidFill>
-                <a:latin typeface="+mn-lt"/>
-              </a:rPr>
-              <a:t> / AFFICHAGE -&gt; MASQUE DE DIAPOSITIVES) </a:t>
+              <a:t>CONVOLUTIONAL NEURAL NETWORKS</a:t>
             </a:r>
             <a:endParaRPr lang="fr-FR" sz="1000" dirty="0">
               <a:solidFill>
@@ -1907,6 +1907,795 @@
 </p:sld>
 </file>
 
+<file path=ppt/slides/slide10.xml><?xml version="1.0" encoding="utf-8"?>
+<p:sld xmlns:a="http://schemas.openxmlformats.org/drawingml/2006/main" xmlns:r="http://schemas.openxmlformats.org/officeDocument/2006/relationships" xmlns:p="http://schemas.openxmlformats.org/presentationml/2006/main">
+  <p:cSld>
+    <p:spTree>
+      <p:nvGrpSpPr>
+        <p:cNvPr id="1" name=""/>
+        <p:cNvGrpSpPr/>
+        <p:nvPr/>
+      </p:nvGrpSpPr>
+      <p:grpSpPr>
+        <a:xfrm>
+          <a:off x="0" y="0"/>
+          <a:ext cx="0" cy="0"/>
+          <a:chOff x="0" y="0"/>
+          <a:chExt cx="0" cy="0"/>
+        </a:xfrm>
+      </p:grpSpPr>
+      <p:sp>
+        <p:nvSpPr>
+          <p:cNvPr id="2" name="Titre 1">
+            <a:extLst>
+              <a:ext uri="{FF2B5EF4-FFF2-40B4-BE49-F238E27FC236}">
+                <a16:creationId xmlns:a16="http://schemas.microsoft.com/office/drawing/2014/main" id="{252B22A5-27CC-4428-A0CA-44D0C37E6B8E}"/>
+              </a:ext>
+            </a:extLst>
+          </p:cNvPr>
+          <p:cNvSpPr>
+            <a:spLocks noGrp="1"/>
+          </p:cNvSpPr>
+          <p:nvPr>
+            <p:ph type="title"/>
+          </p:nvPr>
+        </p:nvSpPr>
+        <p:spPr/>
+        <p:txBody>
+          <a:bodyPr/>
+          <a:lstStyle/>
+          <a:p>
+            <a:r>
+              <a:rPr lang="en-US" dirty="0"/>
+              <a:t>Architecture</a:t>
+            </a:r>
+          </a:p>
+        </p:txBody>
+      </p:sp>
+      <p:sp>
+        <p:nvSpPr>
+          <p:cNvPr id="3" name="Espace réservé du texte 2">
+            <a:extLst>
+              <a:ext uri="{FF2B5EF4-FFF2-40B4-BE49-F238E27FC236}">
+                <a16:creationId xmlns:a16="http://schemas.microsoft.com/office/drawing/2014/main" id="{AF5CA147-1408-4940-B82B-A33EA4F6C72C}"/>
+              </a:ext>
+            </a:extLst>
+          </p:cNvPr>
+          <p:cNvSpPr>
+            <a:spLocks noGrp="1"/>
+          </p:cNvSpPr>
+          <p:nvPr>
+            <p:ph type="body" sz="quarter" idx="10"/>
+          </p:nvPr>
+        </p:nvSpPr>
+        <p:spPr/>
+        <p:txBody>
+          <a:bodyPr/>
+          <a:lstStyle/>
+          <a:p>
+            <a:r>
+              <a:rPr lang="en-US" dirty="0"/>
+              <a:t>The idea is to create a </a:t>
+            </a:r>
+            <a:r>
+              <a:rPr lang="en-US" i="1" dirty="0"/>
+              <a:t>funnel</a:t>
+            </a:r>
+            <a:r>
+              <a:rPr lang="en-US" dirty="0"/>
+              <a:t> from high dimension to low</a:t>
+            </a:r>
+          </a:p>
+          <a:p>
+            <a:pPr lvl="1"/>
+            <a:r>
+              <a:rPr lang="en-US" dirty="0"/>
+              <a:t>With sequences of convolution/activation/pooling</a:t>
+            </a:r>
+          </a:p>
+          <a:p>
+            <a:pPr lvl="1"/>
+            <a:r>
+              <a:rPr lang="en-US" dirty="0"/>
+              <a:t>And final linear modules for classification or other</a:t>
+            </a:r>
+          </a:p>
+          <a:p>
+            <a:r>
+              <a:rPr lang="en-US" dirty="0"/>
+              <a:t>Real architectures can be quite complex</a:t>
+            </a:r>
+          </a:p>
+        </p:txBody>
+      </p:sp>
+      <p:pic>
+        <p:nvPicPr>
+          <p:cNvPr id="7" name="Image 6">
+            <a:extLst>
+              <a:ext uri="{FF2B5EF4-FFF2-40B4-BE49-F238E27FC236}">
+                <a16:creationId xmlns:a16="http://schemas.microsoft.com/office/drawing/2014/main" id="{E769C328-7755-45A5-8DFD-1E8E0CC9A7B7}"/>
+              </a:ext>
+            </a:extLst>
+          </p:cNvPr>
+          <p:cNvPicPr>
+            <a:picLocks noChangeAspect="1"/>
+          </p:cNvPicPr>
+          <p:nvPr/>
+        </p:nvPicPr>
+        <p:blipFill>
+          <a:blip r:embed="rId2">
+            <a:extLst>
+              <a:ext uri="{28A0092B-C50C-407E-A947-70E740481C1C}">
+                <a14:useLocalDpi xmlns:a14="http://schemas.microsoft.com/office/drawing/2010/main" val="0"/>
+              </a:ext>
+            </a:extLst>
+          </a:blip>
+          <a:stretch>
+            <a:fillRect/>
+          </a:stretch>
+        </p:blipFill>
+        <p:spPr>
+          <a:xfrm>
+            <a:off x="5088118" y="3612298"/>
+            <a:ext cx="6265682" cy="2798345"/>
+          </a:xfrm>
+          <a:prstGeom prst="rect">
+            <a:avLst/>
+          </a:prstGeom>
+        </p:spPr>
+      </p:pic>
+    </p:spTree>
+    <p:extLst>
+      <p:ext uri="{BB962C8B-B14F-4D97-AF65-F5344CB8AC3E}">
+        <p14:creationId xmlns:p14="http://schemas.microsoft.com/office/powerpoint/2010/main" val="1144040383"/>
+      </p:ext>
+    </p:extLst>
+  </p:cSld>
+  <p:clrMapOvr>
+    <a:masterClrMapping/>
+  </p:clrMapOvr>
+</p:sld>
+</file>
+
+<file path=ppt/slides/slide11.xml><?xml version="1.0" encoding="utf-8"?>
+<p:sld xmlns:a="http://schemas.openxmlformats.org/drawingml/2006/main" xmlns:r="http://schemas.openxmlformats.org/officeDocument/2006/relationships" xmlns:p="http://schemas.openxmlformats.org/presentationml/2006/main">
+  <p:cSld>
+    <p:spTree>
+      <p:nvGrpSpPr>
+        <p:cNvPr id="1" name=""/>
+        <p:cNvGrpSpPr/>
+        <p:nvPr/>
+      </p:nvGrpSpPr>
+      <p:grpSpPr>
+        <a:xfrm>
+          <a:off x="0" y="0"/>
+          <a:ext cx="0" cy="0"/>
+          <a:chOff x="0" y="0"/>
+          <a:chExt cx="0" cy="0"/>
+        </a:xfrm>
+      </p:grpSpPr>
+      <p:sp>
+        <p:nvSpPr>
+          <p:cNvPr id="2" name="Titre 1">
+            <a:extLst>
+              <a:ext uri="{FF2B5EF4-FFF2-40B4-BE49-F238E27FC236}">
+                <a16:creationId xmlns:a16="http://schemas.microsoft.com/office/drawing/2014/main" id="{4961A3DA-7478-4005-A9B7-62BC0174F80C}"/>
+              </a:ext>
+            </a:extLst>
+          </p:cNvPr>
+          <p:cNvSpPr>
+            <a:spLocks noGrp="1"/>
+          </p:cNvSpPr>
+          <p:nvPr>
+            <p:ph type="title"/>
+          </p:nvPr>
+        </p:nvSpPr>
+        <p:spPr/>
+        <p:txBody>
+          <a:bodyPr/>
+          <a:lstStyle/>
+          <a:p>
+            <a:r>
+              <a:rPr lang="en-US" dirty="0"/>
+              <a:t>CNNs for image classification</a:t>
+            </a:r>
+          </a:p>
+        </p:txBody>
+      </p:sp>
+      <p:sp>
+        <p:nvSpPr>
+          <p:cNvPr id="3" name="Espace réservé du texte 2">
+            <a:extLst>
+              <a:ext uri="{FF2B5EF4-FFF2-40B4-BE49-F238E27FC236}">
+                <a16:creationId xmlns:a16="http://schemas.microsoft.com/office/drawing/2014/main" id="{D89AF3BF-EF0A-4EE8-8BFC-FD0208C1F07D}"/>
+              </a:ext>
+            </a:extLst>
+          </p:cNvPr>
+          <p:cNvSpPr>
+            <a:spLocks noGrp="1"/>
+          </p:cNvSpPr>
+          <p:nvPr>
+            <p:ph type="body" sz="quarter" idx="10"/>
+          </p:nvPr>
+        </p:nvSpPr>
+        <p:spPr/>
+        <p:txBody>
+          <a:bodyPr/>
+          <a:lstStyle/>
+          <a:p>
+            <a:r>
+              <a:rPr lang="en-US" dirty="0"/>
+              <a:t>The last part of the network is linear modules + activations</a:t>
+            </a:r>
+          </a:p>
+          <a:p>
+            <a:r>
+              <a:rPr lang="en-US" dirty="0"/>
+              <a:t>The output is a tensor with one shape (</a:t>
+            </a:r>
+            <a:r>
+              <a:rPr lang="en-US" dirty="0" err="1"/>
+              <a:t>n_classes</a:t>
+            </a:r>
+            <a:r>
+              <a:rPr lang="en-US" dirty="0"/>
+              <a:t>)</a:t>
+            </a:r>
+          </a:p>
+        </p:txBody>
+      </p:sp>
+      <p:pic>
+        <p:nvPicPr>
+          <p:cNvPr id="5" name="Image 4">
+            <a:extLst>
+              <a:ext uri="{FF2B5EF4-FFF2-40B4-BE49-F238E27FC236}">
+                <a16:creationId xmlns:a16="http://schemas.microsoft.com/office/drawing/2014/main" id="{2AF15676-E6EA-411B-B6D0-E17A82772CC4}"/>
+              </a:ext>
+            </a:extLst>
+          </p:cNvPr>
+          <p:cNvPicPr>
+            <a:picLocks noChangeAspect="1"/>
+          </p:cNvPicPr>
+          <p:nvPr/>
+        </p:nvPicPr>
+        <p:blipFill>
+          <a:blip r:embed="rId2">
+            <a:extLst>
+              <a:ext uri="{28A0092B-C50C-407E-A947-70E740481C1C}">
+                <a14:useLocalDpi xmlns:a14="http://schemas.microsoft.com/office/drawing/2010/main" val="0"/>
+              </a:ext>
+            </a:extLst>
+          </a:blip>
+          <a:stretch>
+            <a:fillRect/>
+          </a:stretch>
+        </p:blipFill>
+        <p:spPr>
+          <a:xfrm>
+            <a:off x="2695575" y="3208943"/>
+            <a:ext cx="6800850" cy="2457450"/>
+          </a:xfrm>
+          <a:prstGeom prst="rect">
+            <a:avLst/>
+          </a:prstGeom>
+        </p:spPr>
+      </p:pic>
+    </p:spTree>
+    <p:extLst>
+      <p:ext uri="{BB962C8B-B14F-4D97-AF65-F5344CB8AC3E}">
+        <p14:creationId xmlns:p14="http://schemas.microsoft.com/office/powerpoint/2010/main" val="3248181531"/>
+      </p:ext>
+    </p:extLst>
+  </p:cSld>
+  <p:clrMapOvr>
+    <a:masterClrMapping/>
+  </p:clrMapOvr>
+</p:sld>
+</file>
+
+<file path=ppt/slides/slide12.xml><?xml version="1.0" encoding="utf-8"?>
+<p:sld xmlns:a="http://schemas.openxmlformats.org/drawingml/2006/main" xmlns:r="http://schemas.openxmlformats.org/officeDocument/2006/relationships" xmlns:p="http://schemas.openxmlformats.org/presentationml/2006/main">
+  <p:cSld>
+    <p:spTree>
+      <p:nvGrpSpPr>
+        <p:cNvPr id="1" name=""/>
+        <p:cNvGrpSpPr/>
+        <p:nvPr/>
+      </p:nvGrpSpPr>
+      <p:grpSpPr>
+        <a:xfrm>
+          <a:off x="0" y="0"/>
+          <a:ext cx="0" cy="0"/>
+          <a:chOff x="0" y="0"/>
+          <a:chExt cx="0" cy="0"/>
+        </a:xfrm>
+      </p:grpSpPr>
+      <p:sp>
+        <p:nvSpPr>
+          <p:cNvPr id="2" name="Titre 1">
+            <a:extLst>
+              <a:ext uri="{FF2B5EF4-FFF2-40B4-BE49-F238E27FC236}">
+                <a16:creationId xmlns:a16="http://schemas.microsoft.com/office/drawing/2014/main" id="{4961A3DA-7478-4005-A9B7-62BC0174F80C}"/>
+              </a:ext>
+            </a:extLst>
+          </p:cNvPr>
+          <p:cNvSpPr>
+            <a:spLocks noGrp="1"/>
+          </p:cNvSpPr>
+          <p:nvPr>
+            <p:ph type="title"/>
+          </p:nvPr>
+        </p:nvSpPr>
+        <p:spPr/>
+        <p:txBody>
+          <a:bodyPr/>
+          <a:lstStyle/>
+          <a:p>
+            <a:r>
+              <a:rPr lang="en-US" dirty="0"/>
+              <a:t>CNNs for image segmentation</a:t>
+            </a:r>
+          </a:p>
+        </p:txBody>
+      </p:sp>
+      <p:sp>
+        <p:nvSpPr>
+          <p:cNvPr id="3" name="Espace réservé du texte 2">
+            <a:extLst>
+              <a:ext uri="{FF2B5EF4-FFF2-40B4-BE49-F238E27FC236}">
+                <a16:creationId xmlns:a16="http://schemas.microsoft.com/office/drawing/2014/main" id="{D89AF3BF-EF0A-4EE8-8BFC-FD0208C1F07D}"/>
+              </a:ext>
+            </a:extLst>
+          </p:cNvPr>
+          <p:cNvSpPr>
+            <a:spLocks noGrp="1"/>
+          </p:cNvSpPr>
+          <p:nvPr>
+            <p:ph type="body" sz="quarter" idx="10"/>
+          </p:nvPr>
+        </p:nvSpPr>
+        <p:spPr/>
+        <p:txBody>
+          <a:bodyPr/>
+          <a:lstStyle/>
+          <a:p>
+            <a:r>
+              <a:rPr lang="en-US" dirty="0"/>
+              <a:t>Different types of segmentation</a:t>
+            </a:r>
+          </a:p>
+          <a:p>
+            <a:pPr lvl="1"/>
+            <a:r>
+              <a:rPr lang="en-US" b="1" dirty="0"/>
+              <a:t>Semantic segmentation</a:t>
+            </a:r>
+            <a:r>
+              <a:rPr lang="en-US" dirty="0"/>
+              <a:t>, associate pixels to classes</a:t>
+            </a:r>
+          </a:p>
+          <a:p>
+            <a:pPr lvl="1"/>
+            <a:r>
+              <a:rPr lang="en-US" b="1" dirty="0"/>
+              <a:t>Instance segmentation</a:t>
+            </a:r>
+            <a:r>
+              <a:rPr lang="en-US" dirty="0"/>
+              <a:t>, associate pixel to object instances</a:t>
+            </a:r>
+          </a:p>
+        </p:txBody>
+      </p:sp>
+      <p:pic>
+        <p:nvPicPr>
+          <p:cNvPr id="5" name="Image 4">
+            <a:extLst>
+              <a:ext uri="{FF2B5EF4-FFF2-40B4-BE49-F238E27FC236}">
+                <a16:creationId xmlns:a16="http://schemas.microsoft.com/office/drawing/2014/main" id="{22F70D04-9F6F-4F84-98D5-422BE848815C}"/>
+              </a:ext>
+            </a:extLst>
+          </p:cNvPr>
+          <p:cNvPicPr>
+            <a:picLocks noChangeAspect="1"/>
+          </p:cNvPicPr>
+          <p:nvPr/>
+        </p:nvPicPr>
+        <p:blipFill>
+          <a:blip r:embed="rId2"/>
+          <a:stretch>
+            <a:fillRect/>
+          </a:stretch>
+        </p:blipFill>
+        <p:spPr>
+          <a:xfrm>
+            <a:off x="4844658" y="3355942"/>
+            <a:ext cx="6385808" cy="2619179"/>
+          </a:xfrm>
+          <a:prstGeom prst="rect">
+            <a:avLst/>
+          </a:prstGeom>
+        </p:spPr>
+      </p:pic>
+    </p:spTree>
+    <p:extLst>
+      <p:ext uri="{BB962C8B-B14F-4D97-AF65-F5344CB8AC3E}">
+        <p14:creationId xmlns:p14="http://schemas.microsoft.com/office/powerpoint/2010/main" val="67506514"/>
+      </p:ext>
+    </p:extLst>
+  </p:cSld>
+  <p:clrMapOvr>
+    <a:masterClrMapping/>
+  </p:clrMapOvr>
+</p:sld>
+</file>
+
+<file path=ppt/slides/slide13.xml><?xml version="1.0" encoding="utf-8"?>
+<p:sld xmlns:a="http://schemas.openxmlformats.org/drawingml/2006/main" xmlns:r="http://schemas.openxmlformats.org/officeDocument/2006/relationships" xmlns:p="http://schemas.openxmlformats.org/presentationml/2006/main">
+  <p:cSld>
+    <p:spTree>
+      <p:nvGrpSpPr>
+        <p:cNvPr id="1" name=""/>
+        <p:cNvGrpSpPr/>
+        <p:nvPr/>
+      </p:nvGrpSpPr>
+      <p:grpSpPr>
+        <a:xfrm>
+          <a:off x="0" y="0"/>
+          <a:ext cx="0" cy="0"/>
+          <a:chOff x="0" y="0"/>
+          <a:chExt cx="0" cy="0"/>
+        </a:xfrm>
+      </p:grpSpPr>
+      <p:sp>
+        <p:nvSpPr>
+          <p:cNvPr id="2" name="Titre 1">
+            <a:extLst>
+              <a:ext uri="{FF2B5EF4-FFF2-40B4-BE49-F238E27FC236}">
+                <a16:creationId xmlns:a16="http://schemas.microsoft.com/office/drawing/2014/main" id="{C86D7B50-8FD2-402E-AD11-1736D480542D}"/>
+              </a:ext>
+            </a:extLst>
+          </p:cNvPr>
+          <p:cNvSpPr>
+            <a:spLocks noGrp="1"/>
+          </p:cNvSpPr>
+          <p:nvPr>
+            <p:ph type="title"/>
+          </p:nvPr>
+        </p:nvSpPr>
+        <p:spPr/>
+        <p:txBody>
+          <a:bodyPr/>
+          <a:lstStyle/>
+          <a:p>
+            <a:r>
+              <a:rPr lang="en-US" dirty="0"/>
+              <a:t>CNNs for non-images?</a:t>
+            </a:r>
+          </a:p>
+        </p:txBody>
+      </p:sp>
+      <p:sp>
+        <p:nvSpPr>
+          <p:cNvPr id="3" name="Espace réservé du texte 2">
+            <a:extLst>
+              <a:ext uri="{FF2B5EF4-FFF2-40B4-BE49-F238E27FC236}">
+                <a16:creationId xmlns:a16="http://schemas.microsoft.com/office/drawing/2014/main" id="{F2BCE95D-3832-484D-BF53-525C3C3853C6}"/>
+              </a:ext>
+            </a:extLst>
+          </p:cNvPr>
+          <p:cNvSpPr>
+            <a:spLocks noGrp="1"/>
+          </p:cNvSpPr>
+          <p:nvPr>
+            <p:ph type="body" sz="quarter" idx="10"/>
+          </p:nvPr>
+        </p:nvSpPr>
+        <p:spPr/>
+        <p:txBody>
+          <a:bodyPr/>
+          <a:lstStyle/>
+          <a:p>
+            <a:r>
+              <a:rPr lang="en-US" dirty="0"/>
+              <a:t>Can you imagine to use the feature construction ability of CNNs to applications that are </a:t>
+            </a:r>
+            <a:r>
+              <a:rPr lang="en-US" i="1" dirty="0"/>
+              <a:t>not </a:t>
+            </a:r>
+            <a:r>
+              <a:rPr lang="en-US" dirty="0"/>
+              <a:t>related to vision?</a:t>
+            </a:r>
+          </a:p>
+        </p:txBody>
+      </p:sp>
+    </p:spTree>
+    <p:extLst>
+      <p:ext uri="{BB962C8B-B14F-4D97-AF65-F5344CB8AC3E}">
+        <p14:creationId xmlns:p14="http://schemas.microsoft.com/office/powerpoint/2010/main" val="4089647688"/>
+      </p:ext>
+    </p:extLst>
+  </p:cSld>
+  <p:clrMapOvr>
+    <a:masterClrMapping/>
+  </p:clrMapOvr>
+</p:sld>
+</file>
+
+<file path=ppt/slides/slide14.xml><?xml version="1.0" encoding="utf-8"?>
+<p:sld xmlns:a="http://schemas.openxmlformats.org/drawingml/2006/main" xmlns:r="http://schemas.openxmlformats.org/officeDocument/2006/relationships" xmlns:p="http://schemas.openxmlformats.org/presentationml/2006/main">
+  <p:cSld>
+    <p:spTree>
+      <p:nvGrpSpPr>
+        <p:cNvPr id="1" name=""/>
+        <p:cNvGrpSpPr/>
+        <p:nvPr/>
+      </p:nvGrpSpPr>
+      <p:grpSpPr>
+        <a:xfrm>
+          <a:off x="0" y="0"/>
+          <a:ext cx="0" cy="0"/>
+          <a:chOff x="0" y="0"/>
+          <a:chExt cx="0" cy="0"/>
+        </a:xfrm>
+      </p:grpSpPr>
+      <p:sp>
+        <p:nvSpPr>
+          <p:cNvPr id="2" name="Titre 1">
+            <a:extLst>
+              <a:ext uri="{FF2B5EF4-FFF2-40B4-BE49-F238E27FC236}">
+                <a16:creationId xmlns:a16="http://schemas.microsoft.com/office/drawing/2014/main" id="{C1DD926E-FAC8-4AD3-9A9E-265980DA1B6B}"/>
+              </a:ext>
+            </a:extLst>
+          </p:cNvPr>
+          <p:cNvSpPr>
+            <a:spLocks noGrp="1"/>
+          </p:cNvSpPr>
+          <p:nvPr>
+            <p:ph type="title"/>
+          </p:nvPr>
+        </p:nvSpPr>
+        <p:spPr/>
+        <p:txBody>
+          <a:bodyPr/>
+          <a:lstStyle/>
+          <a:p>
+            <a:r>
+              <a:rPr lang="en-US" dirty="0"/>
+              <a:t>CNNs for time series analysis</a:t>
+            </a:r>
+          </a:p>
+        </p:txBody>
+      </p:sp>
+      <p:sp>
+        <p:nvSpPr>
+          <p:cNvPr id="3" name="Espace réservé du texte 2">
+            <a:extLst>
+              <a:ext uri="{FF2B5EF4-FFF2-40B4-BE49-F238E27FC236}">
+                <a16:creationId xmlns:a16="http://schemas.microsoft.com/office/drawing/2014/main" id="{A7341B50-8ADE-4F13-85BD-C1FE2833C2DA}"/>
+              </a:ext>
+            </a:extLst>
+          </p:cNvPr>
+          <p:cNvSpPr>
+            <a:spLocks noGrp="1"/>
+          </p:cNvSpPr>
+          <p:nvPr>
+            <p:ph type="body" sz="quarter" idx="10"/>
+          </p:nvPr>
+        </p:nvSpPr>
+        <p:spPr/>
+        <p:txBody>
+          <a:bodyPr/>
+          <a:lstStyle/>
+          <a:p>
+            <a:r>
+              <a:rPr lang="en-US" dirty="0"/>
+              <a:t>But actually, CNN perform </a:t>
+            </a:r>
+            <a:r>
+              <a:rPr lang="en-US" b="1" dirty="0"/>
+              <a:t>automatic feature construction</a:t>
+            </a:r>
+          </a:p>
+          <a:p>
+            <a:r>
+              <a:rPr lang="en-US" dirty="0"/>
+              <a:t>There are alternatives, using expert-designed features</a:t>
+            </a:r>
+          </a:p>
+          <a:p>
+            <a:r>
+              <a:rPr lang="en-US" dirty="0"/>
+              <a:t>For example, python library </a:t>
+            </a:r>
+            <a:r>
+              <a:rPr lang="en-US" b="1" dirty="0" err="1"/>
+              <a:t>tsfresh</a:t>
+            </a:r>
+            <a:endParaRPr lang="en-US" b="1" dirty="0"/>
+          </a:p>
+          <a:p>
+            <a:pPr lvl="1"/>
+            <a:r>
+              <a:rPr lang="en-US" dirty="0"/>
+              <a:t>Transform the dynamic problem into a series of static features</a:t>
+            </a:r>
+          </a:p>
+          <a:p>
+            <a:pPr lvl="1"/>
+            <a:r>
+              <a:rPr lang="en-US" dirty="0"/>
+              <a:t>This is </a:t>
+            </a:r>
+            <a:r>
+              <a:rPr lang="en-US" i="1" dirty="0"/>
+              <a:t>tabular data</a:t>
+            </a:r>
+            <a:r>
+              <a:rPr lang="en-US" dirty="0"/>
+              <a:t>! Apply classic ML algorithms</a:t>
+            </a:r>
+          </a:p>
+          <a:p>
+            <a:pPr lvl="1"/>
+            <a:r>
+              <a:rPr lang="en-US" dirty="0"/>
+              <a:t>(IMHO) Decent for classification, not so much for forecasting</a:t>
+            </a:r>
+          </a:p>
+        </p:txBody>
+      </p:sp>
+    </p:spTree>
+    <p:extLst>
+      <p:ext uri="{BB962C8B-B14F-4D97-AF65-F5344CB8AC3E}">
+        <p14:creationId xmlns:p14="http://schemas.microsoft.com/office/powerpoint/2010/main" val="1691799692"/>
+      </p:ext>
+    </p:extLst>
+  </p:cSld>
+  <p:clrMapOvr>
+    <a:masterClrMapping/>
+  </p:clrMapOvr>
+</p:sld>
+</file>
+
+<file path=ppt/slides/slide15.xml><?xml version="1.0" encoding="utf-8"?>
+<p:sld xmlns:a="http://schemas.openxmlformats.org/drawingml/2006/main" xmlns:r="http://schemas.openxmlformats.org/officeDocument/2006/relationships" xmlns:p="http://schemas.openxmlformats.org/presentationml/2006/main">
+  <p:cSld>
+    <p:spTree>
+      <p:nvGrpSpPr>
+        <p:cNvPr id="1" name=""/>
+        <p:cNvGrpSpPr/>
+        <p:nvPr/>
+      </p:nvGrpSpPr>
+      <p:grpSpPr>
+        <a:xfrm>
+          <a:off x="0" y="0"/>
+          <a:ext cx="0" cy="0"/>
+          <a:chOff x="0" y="0"/>
+          <a:chExt cx="0" cy="0"/>
+        </a:xfrm>
+      </p:grpSpPr>
+      <p:sp>
+        <p:nvSpPr>
+          <p:cNvPr id="2" name="Titre 1">
+            <a:extLst>
+              <a:ext uri="{FF2B5EF4-FFF2-40B4-BE49-F238E27FC236}">
+                <a16:creationId xmlns:a16="http://schemas.microsoft.com/office/drawing/2014/main" id="{8C01C25D-E2AC-434A-898B-2D24C862C33B}"/>
+              </a:ext>
+            </a:extLst>
+          </p:cNvPr>
+          <p:cNvSpPr>
+            <a:spLocks noGrp="1"/>
+          </p:cNvSpPr>
+          <p:nvPr>
+            <p:ph type="title"/>
+          </p:nvPr>
+        </p:nvSpPr>
+        <p:spPr/>
+        <p:txBody>
+          <a:bodyPr/>
+          <a:lstStyle/>
+          <a:p>
+            <a:r>
+              <a:rPr lang="en-US" dirty="0"/>
+              <a:t>Sequences</a:t>
+            </a:r>
+          </a:p>
+        </p:txBody>
+      </p:sp>
+      <p:sp>
+        <p:nvSpPr>
+          <p:cNvPr id="3" name="Espace réservé du texte 2">
+            <a:extLst>
+              <a:ext uri="{FF2B5EF4-FFF2-40B4-BE49-F238E27FC236}">
+                <a16:creationId xmlns:a16="http://schemas.microsoft.com/office/drawing/2014/main" id="{1D9638B2-A8B9-4A1A-AFE7-066B072DF582}"/>
+              </a:ext>
+            </a:extLst>
+          </p:cNvPr>
+          <p:cNvSpPr>
+            <a:spLocks noGrp="1"/>
+          </p:cNvSpPr>
+          <p:nvPr>
+            <p:ph type="body" sz="quarter" idx="10"/>
+          </p:nvPr>
+        </p:nvSpPr>
+        <p:spPr/>
+        <p:txBody>
+          <a:bodyPr/>
+          <a:lstStyle/>
+          <a:p>
+            <a:r>
+              <a:rPr lang="en-US" dirty="0"/>
+              <a:t>In general, every sequence where adjacency has </a:t>
+            </a:r>
+            <a:r>
+              <a:rPr lang="en-US" b="1" dirty="0"/>
+              <a:t>meaning</a:t>
+            </a:r>
+          </a:p>
+          <a:p>
+            <a:pPr lvl="1"/>
+            <a:r>
+              <a:rPr lang="en-US" dirty="0"/>
+              <a:t>DNA/RNA, for example</a:t>
+            </a:r>
+          </a:p>
+          <a:p>
+            <a:pPr lvl="1"/>
+            <a:r>
+              <a:rPr lang="en-US" dirty="0"/>
+              <a:t>Signals coming from spectrometry</a:t>
+            </a:r>
+          </a:p>
+          <a:p>
+            <a:pPr lvl="1"/>
+            <a:r>
+              <a:rPr lang="en-US" dirty="0"/>
+              <a:t>Voxels from 3D scans</a:t>
+            </a:r>
+          </a:p>
+          <a:p>
+            <a:pPr lvl="1"/>
+            <a:r>
+              <a:rPr lang="en-US" dirty="0"/>
+              <a:t>Adjacent nodes in a graph (Convolutional Graph Neural Networks)</a:t>
+            </a:r>
+          </a:p>
+          <a:p>
+            <a:endParaRPr lang="en-US" dirty="0"/>
+          </a:p>
+          <a:p>
+            <a:r>
+              <a:rPr lang="en-US" dirty="0"/>
+              <a:t>The only big difference is the </a:t>
+            </a:r>
+            <a:r>
+              <a:rPr lang="en-US" b="1" dirty="0"/>
+              <a:t>shape</a:t>
+            </a:r>
+            <a:r>
+              <a:rPr lang="en-US" dirty="0"/>
+              <a:t> of convolutional filters</a:t>
+            </a:r>
+          </a:p>
+        </p:txBody>
+      </p:sp>
+    </p:spTree>
+    <p:extLst>
+      <p:ext uri="{BB962C8B-B14F-4D97-AF65-F5344CB8AC3E}">
+        <p14:creationId xmlns:p14="http://schemas.microsoft.com/office/powerpoint/2010/main" val="3203065365"/>
+      </p:ext>
+    </p:extLst>
+  </p:cSld>
+  <p:clrMapOvr>
+    <a:masterClrMapping/>
+  </p:clrMapOvr>
+</p:sld>
+</file>
+
 <file path=ppt/slides/slide2.xml><?xml version="1.0" encoding="utf-8"?>
 <p:sld xmlns:a="http://schemas.openxmlformats.org/drawingml/2006/main" xmlns:r="http://schemas.openxmlformats.org/officeDocument/2006/relationships" xmlns:p="http://schemas.openxmlformats.org/presentationml/2006/main">
   <p:cSld>
@@ -1964,7 +2753,13 @@
           <a:p>
             <a:r>
               <a:rPr lang="it-IT" dirty="0"/>
-              <a:t>What is a Convolutional Neural Network?</a:t>
+              <a:t>Convolution</a:t>
+            </a:r>
+          </a:p>
+          <a:p>
+            <a:r>
+              <a:rPr lang="it-IT" dirty="0"/>
+              <a:t>Max pooling</a:t>
             </a:r>
           </a:p>
           <a:p>
@@ -2022,7 +2817,7 @@
           <p:cNvPr id="2" name="Titre 1">
             <a:extLst>
               <a:ext uri="{FF2B5EF4-FFF2-40B4-BE49-F238E27FC236}">
-                <a16:creationId xmlns:a16="http://schemas.microsoft.com/office/drawing/2014/main" id="{4961A3DA-7478-4005-A9B7-62BC0174F80C}"/>
+                <a16:creationId xmlns:a16="http://schemas.microsoft.com/office/drawing/2014/main" id="{D9DFFC2D-A966-4F78-A7BB-5AF9228C4115}"/>
               </a:ext>
             </a:extLst>
           </p:cNvPr>
@@ -2040,7 +2835,7 @@
           <a:p>
             <a:r>
               <a:rPr lang="en-US" dirty="0"/>
-              <a:t>CNNs for image classification</a:t>
+              <a:t>Convolution</a:t>
             </a:r>
           </a:p>
         </p:txBody>
@@ -2050,7 +2845,7 @@
           <p:cNvPr id="3" name="Espace réservé du texte 2">
             <a:extLst>
               <a:ext uri="{FF2B5EF4-FFF2-40B4-BE49-F238E27FC236}">
-                <a16:creationId xmlns:a16="http://schemas.microsoft.com/office/drawing/2014/main" id="{D89AF3BF-EF0A-4EE8-8BFC-FD0208C1F07D}"/>
+                <a16:creationId xmlns:a16="http://schemas.microsoft.com/office/drawing/2014/main" id="{9401A847-4269-4E24-AC99-840982808DB9}"/>
               </a:ext>
             </a:extLst>
           </p:cNvPr>
@@ -2066,14 +2861,57 @@
           <a:bodyPr/>
           <a:lstStyle/>
           <a:p>
-            <a:endParaRPr lang="en-US"/>
+            <a:r>
+              <a:rPr lang="en-US" dirty="0"/>
+              <a:t>Originally from the domain of </a:t>
+            </a:r>
+            <a:r>
+              <a:rPr lang="en-US" b="1" dirty="0"/>
+              <a:t>computer vision</a:t>
+            </a:r>
           </a:p>
         </p:txBody>
       </p:sp>
+      <p:pic>
+        <p:nvPicPr>
+          <p:cNvPr id="4" name="Image 3">
+            <a:extLst>
+              <a:ext uri="{FF2B5EF4-FFF2-40B4-BE49-F238E27FC236}">
+                <a16:creationId xmlns:a16="http://schemas.microsoft.com/office/drawing/2014/main" id="{8C7BD681-E6F4-4CB4-ABCA-1F85C52DD4EB}"/>
+              </a:ext>
+            </a:extLst>
+          </p:cNvPr>
+          <p:cNvPicPr>
+            <a:picLocks noChangeAspect="1"/>
+          </p:cNvPicPr>
+          <p:nvPr/>
+        </p:nvPicPr>
+        <p:blipFill>
+          <a:blip r:embed="rId2">
+            <a:extLst>
+              <a:ext uri="{28A0092B-C50C-407E-A947-70E740481C1C}">
+                <a14:useLocalDpi xmlns:a14="http://schemas.microsoft.com/office/drawing/2010/main" val="0"/>
+              </a:ext>
+            </a:extLst>
+          </a:blip>
+          <a:stretch>
+            <a:fillRect/>
+          </a:stretch>
+        </p:blipFill>
+        <p:spPr>
+          <a:xfrm>
+            <a:off x="3874418" y="1998019"/>
+            <a:ext cx="6821470" cy="4206096"/>
+          </a:xfrm>
+          <a:prstGeom prst="rect">
+            <a:avLst/>
+          </a:prstGeom>
+        </p:spPr>
+      </p:pic>
     </p:spTree>
     <p:extLst>
       <p:ext uri="{BB962C8B-B14F-4D97-AF65-F5344CB8AC3E}">
-        <p14:creationId xmlns:p14="http://schemas.microsoft.com/office/powerpoint/2010/main" val="3248181531"/>
+        <p14:creationId xmlns:p14="http://schemas.microsoft.com/office/powerpoint/2010/main" val="3922172502"/>
       </p:ext>
     </p:extLst>
   </p:cSld>
@@ -2105,7 +2943,7 @@
           <p:cNvPr id="2" name="Titre 1">
             <a:extLst>
               <a:ext uri="{FF2B5EF4-FFF2-40B4-BE49-F238E27FC236}">
-                <a16:creationId xmlns:a16="http://schemas.microsoft.com/office/drawing/2014/main" id="{4961A3DA-7478-4005-A9B7-62BC0174F80C}"/>
+                <a16:creationId xmlns:a16="http://schemas.microsoft.com/office/drawing/2014/main" id="{FBCBD904-02F9-4850-B4CB-56A98DE976E9}"/>
               </a:ext>
             </a:extLst>
           </p:cNvPr>
@@ -2123,7 +2961,7 @@
           <a:p>
             <a:r>
               <a:rPr lang="en-US" dirty="0"/>
-              <a:t>CNNs for image segmentation</a:t>
+              <a:t>Convolution</a:t>
             </a:r>
           </a:p>
         </p:txBody>
@@ -2133,7 +2971,7 @@
           <p:cNvPr id="3" name="Espace réservé du texte 2">
             <a:extLst>
               <a:ext uri="{FF2B5EF4-FFF2-40B4-BE49-F238E27FC236}">
-                <a16:creationId xmlns:a16="http://schemas.microsoft.com/office/drawing/2014/main" id="{D89AF3BF-EF0A-4EE8-8BFC-FD0208C1F07D}"/>
+                <a16:creationId xmlns:a16="http://schemas.microsoft.com/office/drawing/2014/main" id="{5FD41FF9-4915-40C2-AFFD-1CDFA6009830}"/>
               </a:ext>
             </a:extLst>
           </p:cNvPr>
@@ -2149,14 +2987,79 @@
           <a:bodyPr/>
           <a:lstStyle/>
           <a:p>
-            <a:endParaRPr lang="en-US"/>
+            <a:r>
+              <a:rPr lang="en-US" dirty="0"/>
+              <a:t>Before Deep Learning, considerations from computer vision</a:t>
+            </a:r>
+          </a:p>
+          <a:p>
+            <a:pPr lvl="1"/>
+            <a:r>
+              <a:rPr lang="en-US" dirty="0"/>
+              <a:t>Considering an image as a grid of pixels is missing </a:t>
+            </a:r>
+            <a:r>
+              <a:rPr lang="en-US" b="1" dirty="0"/>
+              <a:t>semantics</a:t>
+            </a:r>
+          </a:p>
+          <a:p>
+            <a:pPr lvl="1"/>
+            <a:r>
+              <a:rPr lang="en-US" dirty="0"/>
+              <a:t>If a pixel is considered a feature, it’s not informative</a:t>
+            </a:r>
+          </a:p>
+          <a:p>
+            <a:pPr lvl="1"/>
+            <a:r>
+              <a:rPr lang="en-US" dirty="0"/>
+              <a:t>Too tied to its absolute position, </a:t>
+            </a:r>
+            <a:r>
+              <a:rPr lang="en-US" b="1" dirty="0"/>
+              <a:t>relative position</a:t>
+            </a:r>
+            <a:r>
+              <a:rPr lang="en-US" dirty="0"/>
+              <a:t> matters more</a:t>
+            </a:r>
           </a:p>
         </p:txBody>
       </p:sp>
+      <p:pic>
+        <p:nvPicPr>
+          <p:cNvPr id="7" name="Image 6">
+            <a:extLst>
+              <a:ext uri="{FF2B5EF4-FFF2-40B4-BE49-F238E27FC236}">
+                <a16:creationId xmlns:a16="http://schemas.microsoft.com/office/drawing/2014/main" id="{BC863295-4129-47C3-80F6-181000A7E962}"/>
+              </a:ext>
+            </a:extLst>
+          </p:cNvPr>
+          <p:cNvPicPr>
+            <a:picLocks noChangeAspect="1"/>
+          </p:cNvPicPr>
+          <p:nvPr/>
+        </p:nvPicPr>
+        <p:blipFill rotWithShape="1">
+          <a:blip r:embed="rId2"/>
+          <a:srcRect l="635"/>
+          <a:stretch/>
+        </p:blipFill>
+        <p:spPr>
+          <a:xfrm>
+            <a:off x="2582944" y="3507334"/>
+            <a:ext cx="8845483" cy="2550778"/>
+          </a:xfrm>
+          <a:prstGeom prst="rect">
+            <a:avLst/>
+          </a:prstGeom>
+        </p:spPr>
+      </p:pic>
     </p:spTree>
     <p:extLst>
       <p:ext uri="{BB962C8B-B14F-4D97-AF65-F5344CB8AC3E}">
-        <p14:creationId xmlns:p14="http://schemas.microsoft.com/office/powerpoint/2010/main" val="67506514"/>
+        <p14:creationId xmlns:p14="http://schemas.microsoft.com/office/powerpoint/2010/main" val="312846748"/>
       </p:ext>
     </p:extLst>
   </p:cSld>
@@ -2183,12 +3086,48 @@
           <a:chExt cx="0" cy="0"/>
         </a:xfrm>
       </p:grpSpPr>
+      <p:pic>
+        <p:nvPicPr>
+          <p:cNvPr id="5" name="Image 4">
+            <a:extLst>
+              <a:ext uri="{FF2B5EF4-FFF2-40B4-BE49-F238E27FC236}">
+                <a16:creationId xmlns:a16="http://schemas.microsoft.com/office/drawing/2014/main" id="{ECCE9600-A82B-462F-AD5C-1D1CD279C50B}"/>
+              </a:ext>
+            </a:extLst>
+          </p:cNvPr>
+          <p:cNvPicPr>
+            <a:picLocks noChangeAspect="1"/>
+          </p:cNvPicPr>
+          <p:nvPr/>
+        </p:nvPicPr>
+        <p:blipFill>
+          <a:blip r:embed="rId2">
+            <a:extLst>
+              <a:ext uri="{28A0092B-C50C-407E-A947-70E740481C1C}">
+                <a14:useLocalDpi xmlns:a14="http://schemas.microsoft.com/office/drawing/2010/main" val="0"/>
+              </a:ext>
+            </a:extLst>
+          </a:blip>
+          <a:stretch>
+            <a:fillRect/>
+          </a:stretch>
+        </p:blipFill>
+        <p:spPr>
+          <a:xfrm>
+            <a:off x="6759018" y="3283100"/>
+            <a:ext cx="4396721" cy="3209774"/>
+          </a:xfrm>
+          <a:prstGeom prst="rect">
+            <a:avLst/>
+          </a:prstGeom>
+        </p:spPr>
+      </p:pic>
       <p:sp>
         <p:nvSpPr>
           <p:cNvPr id="2" name="Titre 1">
             <a:extLst>
               <a:ext uri="{FF2B5EF4-FFF2-40B4-BE49-F238E27FC236}">
-                <a16:creationId xmlns:a16="http://schemas.microsoft.com/office/drawing/2014/main" id="{C86D7B50-8FD2-402E-AD11-1736D480542D}"/>
+                <a16:creationId xmlns:a16="http://schemas.microsoft.com/office/drawing/2014/main" id="{22275A00-FAE4-45E2-B969-5974CDA77333}"/>
               </a:ext>
             </a:extLst>
           </p:cNvPr>
@@ -2206,7 +3145,7 @@
           <a:p>
             <a:r>
               <a:rPr lang="en-US" dirty="0"/>
-              <a:t>CNNs for non-images?</a:t>
+              <a:t>Convolution</a:t>
             </a:r>
           </a:p>
         </p:txBody>
@@ -2216,7 +3155,7 @@
           <p:cNvPr id="3" name="Espace réservé du texte 2">
             <a:extLst>
               <a:ext uri="{FF2B5EF4-FFF2-40B4-BE49-F238E27FC236}">
-                <a16:creationId xmlns:a16="http://schemas.microsoft.com/office/drawing/2014/main" id="{F2BCE95D-3832-484D-BF53-525C3C3853C6}"/>
+                <a16:creationId xmlns:a16="http://schemas.microsoft.com/office/drawing/2014/main" id="{FEDACE9B-5858-4079-8D5C-3AF5A7B14B5F}"/>
               </a:ext>
             </a:extLst>
           </p:cNvPr>
@@ -2232,14 +3171,638 @@
           <a:bodyPr/>
           <a:lstStyle/>
           <a:p>
-            <a:endParaRPr lang="en-US"/>
+            <a:r>
+              <a:rPr lang="en-US" dirty="0"/>
+              <a:t>Convolutional filters</a:t>
+            </a:r>
+          </a:p>
+          <a:p>
+            <a:pPr lvl="1"/>
+            <a:r>
+              <a:rPr lang="en-US" dirty="0"/>
+              <a:t>Small set of weights that are applied to the whole input image</a:t>
+            </a:r>
+          </a:p>
+          <a:p>
+            <a:pPr lvl="1"/>
+            <a:r>
+              <a:rPr lang="en-US" dirty="0"/>
+              <a:t>“Sliding window”, same operation on different groups of pixels</a:t>
+            </a:r>
+          </a:p>
+          <a:p>
+            <a:pPr lvl="1"/>
+            <a:r>
+              <a:rPr lang="en-US" dirty="0"/>
+              <a:t>Output: a tensor more or less of the same size</a:t>
+            </a:r>
+          </a:p>
+        </p:txBody>
+      </p:sp>
+      <p:graphicFrame>
+        <p:nvGraphicFramePr>
+          <p:cNvPr id="6" name="Tableau 6">
+            <a:extLst>
+              <a:ext uri="{FF2B5EF4-FFF2-40B4-BE49-F238E27FC236}">
+                <a16:creationId xmlns:a16="http://schemas.microsoft.com/office/drawing/2014/main" id="{BF354955-835A-41C3-BEC6-6FD23E84CB7D}"/>
+              </a:ext>
+            </a:extLst>
+          </p:cNvPr>
+          <p:cNvGraphicFramePr>
+            <a:graphicFrameLocks noGrp="1"/>
+          </p:cNvGraphicFramePr>
+          <p:nvPr>
+            <p:extLst>
+              <p:ext uri="{D42A27DB-BD31-4B8C-83A1-F6EECF244321}">
+                <p14:modId xmlns:p14="http://schemas.microsoft.com/office/powerpoint/2010/main" val="4192273477"/>
+              </p:ext>
+            </p:extLst>
+          </p:nvPr>
+        </p:nvGraphicFramePr>
+        <p:xfrm>
+          <a:off x="3731967" y="3827253"/>
+          <a:ext cx="1229676" cy="1371600"/>
+        </p:xfrm>
+        <a:graphic>
+          <a:graphicData uri="http://schemas.openxmlformats.org/drawingml/2006/table">
+            <a:tbl>
+              <a:tblPr firstRow="1" bandRow="1">
+                <a:tableStyleId>{C4B1156A-380E-4F78-BDF5-A606A8083BF9}</a:tableStyleId>
+              </a:tblPr>
+              <a:tblGrid>
+                <a:gridCol w="428941">
+                  <a:extLst>
+                    <a:ext uri="{9D8B030D-6E8A-4147-A177-3AD203B41FA5}">
+                      <a16:colId xmlns:a16="http://schemas.microsoft.com/office/drawing/2014/main" val="3058201430"/>
+                    </a:ext>
+                  </a:extLst>
+                </a:gridCol>
+                <a:gridCol w="428941">
+                  <a:extLst>
+                    <a:ext uri="{9D8B030D-6E8A-4147-A177-3AD203B41FA5}">
+                      <a16:colId xmlns:a16="http://schemas.microsoft.com/office/drawing/2014/main" val="3591042072"/>
+                    </a:ext>
+                  </a:extLst>
+                </a:gridCol>
+                <a:gridCol w="371794">
+                  <a:extLst>
+                    <a:ext uri="{9D8B030D-6E8A-4147-A177-3AD203B41FA5}">
+                      <a16:colId xmlns:a16="http://schemas.microsoft.com/office/drawing/2014/main" val="2135636566"/>
+                    </a:ext>
+                  </a:extLst>
+                </a:gridCol>
+              </a:tblGrid>
+              <a:tr h="370840">
+                <a:tc>
+                  <a:txBody>
+                    <a:bodyPr/>
+                    <a:lstStyle/>
+                    <a:p>
+                      <a:pPr algn="ctr"/>
+                      <a:r>
+                        <a:rPr lang="en-US" sz="2400" b="0" dirty="0"/>
+                        <a:t>1</a:t>
+                      </a:r>
+                    </a:p>
+                  </a:txBody>
+                  <a:tcPr>
+                    <a:lnL w="12700" cap="flat" cmpd="sng" algn="ctr">
+                      <a:solidFill>
+                        <a:schemeClr val="tx1"/>
+                      </a:solidFill>
+                      <a:prstDash val="solid"/>
+                      <a:round/>
+                      <a:headEnd type="none" w="med" len="med"/>
+                      <a:tailEnd type="none" w="med" len="med"/>
+                    </a:lnL>
+                    <a:lnR w="12700" cap="flat" cmpd="sng" algn="ctr">
+                      <a:solidFill>
+                        <a:schemeClr val="tx1"/>
+                      </a:solidFill>
+                      <a:prstDash val="solid"/>
+                      <a:round/>
+                      <a:headEnd type="none" w="med" len="med"/>
+                      <a:tailEnd type="none" w="med" len="med"/>
+                    </a:lnR>
+                    <a:lnT w="12700" cap="flat" cmpd="sng" algn="ctr">
+                      <a:solidFill>
+                        <a:schemeClr val="tx1"/>
+                      </a:solidFill>
+                      <a:prstDash val="solid"/>
+                      <a:round/>
+                      <a:headEnd type="none" w="med" len="med"/>
+                      <a:tailEnd type="none" w="med" len="med"/>
+                    </a:lnT>
+                    <a:lnB w="12700" cap="flat" cmpd="sng" algn="ctr">
+                      <a:solidFill>
+                        <a:schemeClr val="tx1"/>
+                      </a:solidFill>
+                      <a:prstDash val="solid"/>
+                      <a:round/>
+                      <a:headEnd type="none" w="med" len="med"/>
+                      <a:tailEnd type="none" w="med" len="med"/>
+                    </a:lnB>
+                    <a:solidFill>
+                      <a:schemeClr val="accent4"/>
+                    </a:solidFill>
+                  </a:tcPr>
+                </a:tc>
+                <a:tc>
+                  <a:txBody>
+                    <a:bodyPr/>
+                    <a:lstStyle/>
+                    <a:p>
+                      <a:pPr algn="ctr"/>
+                      <a:r>
+                        <a:rPr lang="en-US" sz="2400" b="0" dirty="0"/>
+                        <a:t>0</a:t>
+                      </a:r>
+                    </a:p>
+                  </a:txBody>
+                  <a:tcPr>
+                    <a:lnL w="12700" cap="flat" cmpd="sng" algn="ctr">
+                      <a:solidFill>
+                        <a:schemeClr val="tx1"/>
+                      </a:solidFill>
+                      <a:prstDash val="solid"/>
+                      <a:round/>
+                      <a:headEnd type="none" w="med" len="med"/>
+                      <a:tailEnd type="none" w="med" len="med"/>
+                    </a:lnL>
+                    <a:lnR w="12700" cap="flat" cmpd="sng" algn="ctr">
+                      <a:solidFill>
+                        <a:schemeClr val="tx1"/>
+                      </a:solidFill>
+                      <a:prstDash val="solid"/>
+                      <a:round/>
+                      <a:headEnd type="none" w="med" len="med"/>
+                      <a:tailEnd type="none" w="med" len="med"/>
+                    </a:lnR>
+                    <a:lnT w="12700" cap="flat" cmpd="sng" algn="ctr">
+                      <a:solidFill>
+                        <a:schemeClr val="tx1"/>
+                      </a:solidFill>
+                      <a:prstDash val="solid"/>
+                      <a:round/>
+                      <a:headEnd type="none" w="med" len="med"/>
+                      <a:tailEnd type="none" w="med" len="med"/>
+                    </a:lnT>
+                    <a:lnB w="12700" cap="flat" cmpd="sng" algn="ctr">
+                      <a:solidFill>
+                        <a:schemeClr val="tx1"/>
+                      </a:solidFill>
+                      <a:prstDash val="solid"/>
+                      <a:round/>
+                      <a:headEnd type="none" w="med" len="med"/>
+                      <a:tailEnd type="none" w="med" len="med"/>
+                    </a:lnB>
+                    <a:solidFill>
+                      <a:schemeClr val="accent4"/>
+                    </a:solidFill>
+                  </a:tcPr>
+                </a:tc>
+                <a:tc>
+                  <a:txBody>
+                    <a:bodyPr/>
+                    <a:lstStyle/>
+                    <a:p>
+                      <a:pPr algn="ctr"/>
+                      <a:r>
+                        <a:rPr lang="en-US" sz="2400" b="0" dirty="0"/>
+                        <a:t>1</a:t>
+                      </a:r>
+                    </a:p>
+                  </a:txBody>
+                  <a:tcPr>
+                    <a:lnL w="12700" cap="flat" cmpd="sng" algn="ctr">
+                      <a:solidFill>
+                        <a:schemeClr val="tx1"/>
+                      </a:solidFill>
+                      <a:prstDash val="solid"/>
+                      <a:round/>
+                      <a:headEnd type="none" w="med" len="med"/>
+                      <a:tailEnd type="none" w="med" len="med"/>
+                    </a:lnL>
+                    <a:lnR w="12700" cap="flat" cmpd="sng" algn="ctr">
+                      <a:solidFill>
+                        <a:schemeClr val="tx1"/>
+                      </a:solidFill>
+                      <a:prstDash val="solid"/>
+                      <a:round/>
+                      <a:headEnd type="none" w="med" len="med"/>
+                      <a:tailEnd type="none" w="med" len="med"/>
+                    </a:lnR>
+                    <a:lnT w="12700" cap="flat" cmpd="sng" algn="ctr">
+                      <a:solidFill>
+                        <a:schemeClr val="tx1"/>
+                      </a:solidFill>
+                      <a:prstDash val="solid"/>
+                      <a:round/>
+                      <a:headEnd type="none" w="med" len="med"/>
+                      <a:tailEnd type="none" w="med" len="med"/>
+                    </a:lnT>
+                    <a:lnB w="12700" cap="flat" cmpd="sng" algn="ctr">
+                      <a:solidFill>
+                        <a:schemeClr val="tx1"/>
+                      </a:solidFill>
+                      <a:prstDash val="solid"/>
+                      <a:round/>
+                      <a:headEnd type="none" w="med" len="med"/>
+                      <a:tailEnd type="none" w="med" len="med"/>
+                    </a:lnB>
+                    <a:solidFill>
+                      <a:schemeClr val="accent4"/>
+                    </a:solidFill>
+                  </a:tcPr>
+                </a:tc>
+                <a:extLst>
+                  <a:ext uri="{0D108BD9-81ED-4DB2-BD59-A6C34878D82A}">
+                    <a16:rowId xmlns:a16="http://schemas.microsoft.com/office/drawing/2014/main" val="1122974679"/>
+                  </a:ext>
+                </a:extLst>
+              </a:tr>
+              <a:tr h="370840">
+                <a:tc>
+                  <a:txBody>
+                    <a:bodyPr/>
+                    <a:lstStyle/>
+                    <a:p>
+                      <a:pPr algn="ctr"/>
+                      <a:r>
+                        <a:rPr lang="en-US" sz="2400" dirty="0"/>
+                        <a:t>0</a:t>
+                      </a:r>
+                    </a:p>
+                  </a:txBody>
+                  <a:tcPr>
+                    <a:lnL w="12700" cap="flat" cmpd="sng" algn="ctr">
+                      <a:solidFill>
+                        <a:schemeClr val="tx1"/>
+                      </a:solidFill>
+                      <a:prstDash val="solid"/>
+                      <a:round/>
+                      <a:headEnd type="none" w="med" len="med"/>
+                      <a:tailEnd type="none" w="med" len="med"/>
+                    </a:lnL>
+                    <a:lnR w="12700" cap="flat" cmpd="sng" algn="ctr">
+                      <a:solidFill>
+                        <a:schemeClr val="tx1"/>
+                      </a:solidFill>
+                      <a:prstDash val="solid"/>
+                      <a:round/>
+                      <a:headEnd type="none" w="med" len="med"/>
+                      <a:tailEnd type="none" w="med" len="med"/>
+                    </a:lnR>
+                    <a:lnT w="12700" cap="flat" cmpd="sng" algn="ctr">
+                      <a:solidFill>
+                        <a:schemeClr val="tx1"/>
+                      </a:solidFill>
+                      <a:prstDash val="solid"/>
+                      <a:round/>
+                      <a:headEnd type="none" w="med" len="med"/>
+                      <a:tailEnd type="none" w="med" len="med"/>
+                    </a:lnT>
+                    <a:lnB w="12700" cap="flat" cmpd="sng" algn="ctr">
+                      <a:solidFill>
+                        <a:schemeClr val="tx1"/>
+                      </a:solidFill>
+                      <a:prstDash val="solid"/>
+                      <a:round/>
+                      <a:headEnd type="none" w="med" len="med"/>
+                      <a:tailEnd type="none" w="med" len="med"/>
+                    </a:lnB>
+                    <a:solidFill>
+                      <a:schemeClr val="accent4"/>
+                    </a:solidFill>
+                  </a:tcPr>
+                </a:tc>
+                <a:tc>
+                  <a:txBody>
+                    <a:bodyPr/>
+                    <a:lstStyle/>
+                    <a:p>
+                      <a:pPr algn="ctr"/>
+                      <a:r>
+                        <a:rPr lang="en-US" sz="2400" dirty="0"/>
+                        <a:t>1</a:t>
+                      </a:r>
+                    </a:p>
+                  </a:txBody>
+                  <a:tcPr>
+                    <a:lnL w="12700" cap="flat" cmpd="sng" algn="ctr">
+                      <a:solidFill>
+                        <a:schemeClr val="tx1"/>
+                      </a:solidFill>
+                      <a:prstDash val="solid"/>
+                      <a:round/>
+                      <a:headEnd type="none" w="med" len="med"/>
+                      <a:tailEnd type="none" w="med" len="med"/>
+                    </a:lnL>
+                    <a:lnR w="12700" cap="flat" cmpd="sng" algn="ctr">
+                      <a:solidFill>
+                        <a:schemeClr val="tx1"/>
+                      </a:solidFill>
+                      <a:prstDash val="solid"/>
+                      <a:round/>
+                      <a:headEnd type="none" w="med" len="med"/>
+                      <a:tailEnd type="none" w="med" len="med"/>
+                    </a:lnR>
+                    <a:lnT w="12700" cap="flat" cmpd="sng" algn="ctr">
+                      <a:solidFill>
+                        <a:schemeClr val="tx1"/>
+                      </a:solidFill>
+                      <a:prstDash val="solid"/>
+                      <a:round/>
+                      <a:headEnd type="none" w="med" len="med"/>
+                      <a:tailEnd type="none" w="med" len="med"/>
+                    </a:lnT>
+                    <a:lnB w="12700" cap="flat" cmpd="sng" algn="ctr">
+                      <a:solidFill>
+                        <a:schemeClr val="tx1"/>
+                      </a:solidFill>
+                      <a:prstDash val="solid"/>
+                      <a:round/>
+                      <a:headEnd type="none" w="med" len="med"/>
+                      <a:tailEnd type="none" w="med" len="med"/>
+                    </a:lnB>
+                    <a:solidFill>
+                      <a:schemeClr val="accent4"/>
+                    </a:solidFill>
+                  </a:tcPr>
+                </a:tc>
+                <a:tc>
+                  <a:txBody>
+                    <a:bodyPr/>
+                    <a:lstStyle/>
+                    <a:p>
+                      <a:pPr algn="ctr"/>
+                      <a:r>
+                        <a:rPr lang="en-US" sz="2400" dirty="0"/>
+                        <a:t>0</a:t>
+                      </a:r>
+                    </a:p>
+                  </a:txBody>
+                  <a:tcPr>
+                    <a:lnL w="12700" cap="flat" cmpd="sng" algn="ctr">
+                      <a:solidFill>
+                        <a:schemeClr val="tx1"/>
+                      </a:solidFill>
+                      <a:prstDash val="solid"/>
+                      <a:round/>
+                      <a:headEnd type="none" w="med" len="med"/>
+                      <a:tailEnd type="none" w="med" len="med"/>
+                    </a:lnL>
+                    <a:lnR w="12700" cap="flat" cmpd="sng" algn="ctr">
+                      <a:solidFill>
+                        <a:schemeClr val="tx1"/>
+                      </a:solidFill>
+                      <a:prstDash val="solid"/>
+                      <a:round/>
+                      <a:headEnd type="none" w="med" len="med"/>
+                      <a:tailEnd type="none" w="med" len="med"/>
+                    </a:lnR>
+                    <a:lnT w="12700" cap="flat" cmpd="sng" algn="ctr">
+                      <a:solidFill>
+                        <a:schemeClr val="tx1"/>
+                      </a:solidFill>
+                      <a:prstDash val="solid"/>
+                      <a:round/>
+                      <a:headEnd type="none" w="med" len="med"/>
+                      <a:tailEnd type="none" w="med" len="med"/>
+                    </a:lnT>
+                    <a:lnB w="12700" cap="flat" cmpd="sng" algn="ctr">
+                      <a:solidFill>
+                        <a:schemeClr val="tx1"/>
+                      </a:solidFill>
+                      <a:prstDash val="solid"/>
+                      <a:round/>
+                      <a:headEnd type="none" w="med" len="med"/>
+                      <a:tailEnd type="none" w="med" len="med"/>
+                    </a:lnB>
+                    <a:solidFill>
+                      <a:schemeClr val="accent4"/>
+                    </a:solidFill>
+                  </a:tcPr>
+                </a:tc>
+                <a:extLst>
+                  <a:ext uri="{0D108BD9-81ED-4DB2-BD59-A6C34878D82A}">
+                    <a16:rowId xmlns:a16="http://schemas.microsoft.com/office/drawing/2014/main" val="575531343"/>
+                  </a:ext>
+                </a:extLst>
+              </a:tr>
+              <a:tr h="370840">
+                <a:tc>
+                  <a:txBody>
+                    <a:bodyPr/>
+                    <a:lstStyle/>
+                    <a:p>
+                      <a:pPr algn="ctr"/>
+                      <a:r>
+                        <a:rPr lang="en-US" sz="2400" dirty="0"/>
+                        <a:t>1</a:t>
+                      </a:r>
+                    </a:p>
+                  </a:txBody>
+                  <a:tcPr>
+                    <a:lnL w="12700" cap="flat" cmpd="sng" algn="ctr">
+                      <a:solidFill>
+                        <a:schemeClr val="tx1"/>
+                      </a:solidFill>
+                      <a:prstDash val="solid"/>
+                      <a:round/>
+                      <a:headEnd type="none" w="med" len="med"/>
+                      <a:tailEnd type="none" w="med" len="med"/>
+                    </a:lnL>
+                    <a:lnR w="12700" cap="flat" cmpd="sng" algn="ctr">
+                      <a:solidFill>
+                        <a:schemeClr val="tx1"/>
+                      </a:solidFill>
+                      <a:prstDash val="solid"/>
+                      <a:round/>
+                      <a:headEnd type="none" w="med" len="med"/>
+                      <a:tailEnd type="none" w="med" len="med"/>
+                    </a:lnR>
+                    <a:lnT w="12700" cap="flat" cmpd="sng" algn="ctr">
+                      <a:solidFill>
+                        <a:schemeClr val="tx1"/>
+                      </a:solidFill>
+                      <a:prstDash val="solid"/>
+                      <a:round/>
+                      <a:headEnd type="none" w="med" len="med"/>
+                      <a:tailEnd type="none" w="med" len="med"/>
+                    </a:lnT>
+                    <a:lnB w="12700" cap="flat" cmpd="sng" algn="ctr">
+                      <a:solidFill>
+                        <a:schemeClr val="tx1"/>
+                      </a:solidFill>
+                      <a:prstDash val="solid"/>
+                      <a:round/>
+                      <a:headEnd type="none" w="med" len="med"/>
+                      <a:tailEnd type="none" w="med" len="med"/>
+                    </a:lnB>
+                    <a:solidFill>
+                      <a:schemeClr val="accent4"/>
+                    </a:solidFill>
+                  </a:tcPr>
+                </a:tc>
+                <a:tc>
+                  <a:txBody>
+                    <a:bodyPr/>
+                    <a:lstStyle/>
+                    <a:p>
+                      <a:pPr algn="ctr"/>
+                      <a:r>
+                        <a:rPr lang="en-US" sz="2400" dirty="0"/>
+                        <a:t>0</a:t>
+                      </a:r>
+                    </a:p>
+                  </a:txBody>
+                  <a:tcPr>
+                    <a:lnL w="12700" cap="flat" cmpd="sng" algn="ctr">
+                      <a:solidFill>
+                        <a:schemeClr val="tx1"/>
+                      </a:solidFill>
+                      <a:prstDash val="solid"/>
+                      <a:round/>
+                      <a:headEnd type="none" w="med" len="med"/>
+                      <a:tailEnd type="none" w="med" len="med"/>
+                    </a:lnL>
+                    <a:lnR w="12700" cap="flat" cmpd="sng" algn="ctr">
+                      <a:solidFill>
+                        <a:schemeClr val="tx1"/>
+                      </a:solidFill>
+                      <a:prstDash val="solid"/>
+                      <a:round/>
+                      <a:headEnd type="none" w="med" len="med"/>
+                      <a:tailEnd type="none" w="med" len="med"/>
+                    </a:lnR>
+                    <a:lnT w="12700" cap="flat" cmpd="sng" algn="ctr">
+                      <a:solidFill>
+                        <a:schemeClr val="tx1"/>
+                      </a:solidFill>
+                      <a:prstDash val="solid"/>
+                      <a:round/>
+                      <a:headEnd type="none" w="med" len="med"/>
+                      <a:tailEnd type="none" w="med" len="med"/>
+                    </a:lnT>
+                    <a:lnB w="12700" cap="flat" cmpd="sng" algn="ctr">
+                      <a:solidFill>
+                        <a:schemeClr val="tx1"/>
+                      </a:solidFill>
+                      <a:prstDash val="solid"/>
+                      <a:round/>
+                      <a:headEnd type="none" w="med" len="med"/>
+                      <a:tailEnd type="none" w="med" len="med"/>
+                    </a:lnB>
+                    <a:solidFill>
+                      <a:schemeClr val="accent4"/>
+                    </a:solidFill>
+                  </a:tcPr>
+                </a:tc>
+                <a:tc>
+                  <a:txBody>
+                    <a:bodyPr/>
+                    <a:lstStyle/>
+                    <a:p>
+                      <a:pPr algn="ctr"/>
+                      <a:r>
+                        <a:rPr lang="en-US" sz="2400" dirty="0"/>
+                        <a:t>1</a:t>
+                      </a:r>
+                    </a:p>
+                  </a:txBody>
+                  <a:tcPr>
+                    <a:lnL w="12700" cap="flat" cmpd="sng" algn="ctr">
+                      <a:solidFill>
+                        <a:schemeClr val="tx1"/>
+                      </a:solidFill>
+                      <a:prstDash val="solid"/>
+                      <a:round/>
+                      <a:headEnd type="none" w="med" len="med"/>
+                      <a:tailEnd type="none" w="med" len="med"/>
+                    </a:lnL>
+                    <a:lnR w="12700" cap="flat" cmpd="sng" algn="ctr">
+                      <a:solidFill>
+                        <a:schemeClr val="tx1"/>
+                      </a:solidFill>
+                      <a:prstDash val="solid"/>
+                      <a:round/>
+                      <a:headEnd type="none" w="med" len="med"/>
+                      <a:tailEnd type="none" w="med" len="med"/>
+                    </a:lnR>
+                    <a:lnT w="12700" cap="flat" cmpd="sng" algn="ctr">
+                      <a:solidFill>
+                        <a:schemeClr val="tx1"/>
+                      </a:solidFill>
+                      <a:prstDash val="solid"/>
+                      <a:round/>
+                      <a:headEnd type="none" w="med" len="med"/>
+                      <a:tailEnd type="none" w="med" len="med"/>
+                    </a:lnT>
+                    <a:lnB w="12700" cap="flat" cmpd="sng" algn="ctr">
+                      <a:solidFill>
+                        <a:schemeClr val="tx1"/>
+                      </a:solidFill>
+                      <a:prstDash val="solid"/>
+                      <a:round/>
+                      <a:headEnd type="none" w="med" len="med"/>
+                      <a:tailEnd type="none" w="med" len="med"/>
+                    </a:lnB>
+                    <a:solidFill>
+                      <a:schemeClr val="accent4"/>
+                    </a:solidFill>
+                  </a:tcPr>
+                </a:tc>
+                <a:extLst>
+                  <a:ext uri="{0D108BD9-81ED-4DB2-BD59-A6C34878D82A}">
+                    <a16:rowId xmlns:a16="http://schemas.microsoft.com/office/drawing/2014/main" val="832051733"/>
+                  </a:ext>
+                </a:extLst>
+              </a:tr>
+            </a:tbl>
+          </a:graphicData>
+        </a:graphic>
+      </p:graphicFrame>
+      <p:sp>
+        <p:nvSpPr>
+          <p:cNvPr id="7" name="ZoneTexte 6">
+            <a:extLst>
+              <a:ext uri="{FF2B5EF4-FFF2-40B4-BE49-F238E27FC236}">
+                <a16:creationId xmlns:a16="http://schemas.microsoft.com/office/drawing/2014/main" id="{DF7F9F3A-D57F-45CB-AE49-49E7E1747AFC}"/>
+              </a:ext>
+            </a:extLst>
+          </p:cNvPr>
+          <p:cNvSpPr txBox="1"/>
+          <p:nvPr/>
+        </p:nvSpPr>
+        <p:spPr>
+          <a:xfrm>
+            <a:off x="3396793" y="5260015"/>
+            <a:ext cx="2036190" cy="369332"/>
+          </a:xfrm>
+          <a:prstGeom prst="rect">
+            <a:avLst/>
+          </a:prstGeom>
+          <a:noFill/>
+        </p:spPr>
+        <p:txBody>
+          <a:bodyPr wrap="square" rtlCol="0">
+            <a:spAutoFit/>
+          </a:bodyPr>
+          <a:lstStyle/>
+          <a:p>
+            <a:pPr algn="ctr"/>
+            <a:r>
+              <a:rPr lang="en-US" dirty="0"/>
+              <a:t>Convolutional filter</a:t>
+            </a:r>
           </a:p>
         </p:txBody>
       </p:sp>
     </p:spTree>
     <p:extLst>
       <p:ext uri="{BB962C8B-B14F-4D97-AF65-F5344CB8AC3E}">
-        <p14:creationId xmlns:p14="http://schemas.microsoft.com/office/powerpoint/2010/main" val="4089647688"/>
+        <p14:creationId xmlns:p14="http://schemas.microsoft.com/office/powerpoint/2010/main" val="4058459287"/>
       </p:ext>
     </p:extLst>
   </p:cSld>
@@ -2271,7 +3834,7 @@
           <p:cNvPr id="2" name="Titre 1">
             <a:extLst>
               <a:ext uri="{FF2B5EF4-FFF2-40B4-BE49-F238E27FC236}">
-                <a16:creationId xmlns:a16="http://schemas.microsoft.com/office/drawing/2014/main" id="{C1DD926E-FAC8-4AD3-9A9E-265980DA1B6B}"/>
+                <a16:creationId xmlns:a16="http://schemas.microsoft.com/office/drawing/2014/main" id="{3E7DCBEF-003E-4C35-9462-F0CE635D6199}"/>
               </a:ext>
             </a:extLst>
           </p:cNvPr>
@@ -2289,7 +3852,7 @@
           <a:p>
             <a:r>
               <a:rPr lang="en-US" dirty="0"/>
-              <a:t>CNNs for time series analysis</a:t>
+              <a:t>Convolution</a:t>
             </a:r>
           </a:p>
         </p:txBody>
@@ -2299,7 +3862,7 @@
           <p:cNvPr id="3" name="Espace réservé du texte 2">
             <a:extLst>
               <a:ext uri="{FF2B5EF4-FFF2-40B4-BE49-F238E27FC236}">
-                <a16:creationId xmlns:a16="http://schemas.microsoft.com/office/drawing/2014/main" id="{A7341B50-8ADE-4F13-85BD-C1FE2833C2DA}"/>
+                <a16:creationId xmlns:a16="http://schemas.microsoft.com/office/drawing/2014/main" id="{A6305F70-9D82-4D68-8CE9-F879CBDEFEBD}"/>
               </a:ext>
             </a:extLst>
           </p:cNvPr>
@@ -2317,65 +3880,86 @@
           <a:p>
             <a:r>
               <a:rPr lang="en-US" dirty="0"/>
-              <a:t>But actually, CNN perform </a:t>
+              <a:t>Convolutional filters</a:t>
+            </a:r>
+          </a:p>
+          <a:p>
+            <a:pPr lvl="1"/>
+            <a:r>
+              <a:rPr lang="en-US" dirty="0"/>
+              <a:t>Learn patterns by adjusting weights</a:t>
+            </a:r>
+          </a:p>
+          <a:p>
+            <a:pPr lvl="1"/>
+            <a:r>
+              <a:rPr lang="en-US" dirty="0"/>
+              <a:t>The patterns can appear </a:t>
             </a:r>
             <a:r>
               <a:rPr lang="en-US" b="1" dirty="0"/>
-              <a:t>automatic feature construction</a:t>
-            </a:r>
-          </a:p>
-          <a:p>
-            <a:r>
-              <a:rPr lang="en-US" dirty="0"/>
-              <a:t>There are alternatives, using expert-designed features</a:t>
-            </a:r>
-          </a:p>
-          <a:p>
-            <a:r>
-              <a:rPr lang="en-US" dirty="0"/>
-              <a:t>For example, python library </a:t>
-            </a:r>
-            <a:r>
-              <a:rPr lang="en-US" b="1" dirty="0" err="1"/>
-              <a:t>tsfresh</a:t>
-            </a:r>
+              <a:t>everywhere</a:t>
+            </a:r>
+            <a:r>
+              <a:rPr lang="en-US" dirty="0"/>
+              <a:t> in the image</a:t>
+            </a:r>
+          </a:p>
+          <a:p>
+            <a:pPr lvl="1"/>
+            <a:r>
+              <a:rPr lang="en-US" dirty="0"/>
+              <a:t>Convolutional operation can be applied in </a:t>
+            </a:r>
+            <a:r>
+              <a:rPr lang="en-US" b="1" dirty="0"/>
+              <a:t>parallel</a:t>
+            </a:r>
+          </a:p>
+          <a:p>
             <a:endParaRPr lang="en-US" b="1" dirty="0"/>
           </a:p>
           <a:p>
+            <a:r>
+              <a:rPr lang="en-US" dirty="0"/>
+              <a:t>Still, it is not completely free: hyperparameters!</a:t>
+            </a:r>
+          </a:p>
+          <a:p>
             <a:pPr lvl="1"/>
             <a:r>
               <a:rPr lang="en-US" dirty="0"/>
-              <a:t>Transform the dynamic problem into a series of static features</a:t>
+              <a:t>Size of the convolutional window (sometimes called </a:t>
+            </a:r>
+            <a:r>
+              <a:rPr lang="en-US" b="1" dirty="0"/>
+              <a:t>kernel</a:t>
+            </a:r>
+            <a:r>
+              <a:rPr lang="en-US" dirty="0"/>
+              <a:t>)</a:t>
             </a:r>
           </a:p>
           <a:p>
             <a:pPr lvl="1"/>
             <a:r>
-              <a:rPr lang="en-US" dirty="0"/>
-              <a:t>This is </a:t>
-            </a:r>
-            <a:r>
-              <a:rPr lang="en-US" i="1" dirty="0"/>
-              <a:t>tabular data</a:t>
-            </a:r>
-            <a:r>
-              <a:rPr lang="en-US" dirty="0"/>
-              <a:t>! Apply classic ML algorithms</a:t>
+              <a:rPr lang="en-US" b="1" dirty="0"/>
+              <a:t>Stride</a:t>
+            </a:r>
+            <a:r>
+              <a:rPr lang="en-US" dirty="0"/>
+              <a:t>, how often to apply the window)</a:t>
             </a:r>
           </a:p>
           <a:p>
             <a:pPr lvl="1"/>
             <a:r>
-              <a:rPr lang="en-US" dirty="0"/>
-              <a:t>Works decently for classification</a:t>
-            </a:r>
-            <a:r>
-              <a:rPr lang="en-US"/>
-              <a:t>, not so much </a:t>
-            </a:r>
-            <a:r>
-              <a:rPr lang="en-US" dirty="0"/>
-              <a:t>for forecasting</a:t>
+              <a:rPr lang="en-US" b="1" dirty="0"/>
+              <a:t>Padding</a:t>
+            </a:r>
+            <a:r>
+              <a:rPr lang="en-US" dirty="0"/>
+              <a:t>, apply window even in the corners</a:t>
             </a:r>
           </a:p>
         </p:txBody>
@@ -2383,7 +3967,519 @@
     </p:spTree>
     <p:extLst>
       <p:ext uri="{BB962C8B-B14F-4D97-AF65-F5344CB8AC3E}">
-        <p14:creationId xmlns:p14="http://schemas.microsoft.com/office/powerpoint/2010/main" val="1691799692"/>
+        <p14:creationId xmlns:p14="http://schemas.microsoft.com/office/powerpoint/2010/main" val="2085220214"/>
+      </p:ext>
+    </p:extLst>
+  </p:cSld>
+  <p:clrMapOvr>
+    <a:masterClrMapping/>
+  </p:clrMapOvr>
+</p:sld>
+</file>
+
+<file path=ppt/slides/slide7.xml><?xml version="1.0" encoding="utf-8"?>
+<p:sld xmlns:a="http://schemas.openxmlformats.org/drawingml/2006/main" xmlns:r="http://schemas.openxmlformats.org/officeDocument/2006/relationships" xmlns:p="http://schemas.openxmlformats.org/presentationml/2006/main">
+  <p:cSld>
+    <p:spTree>
+      <p:nvGrpSpPr>
+        <p:cNvPr id="1" name=""/>
+        <p:cNvGrpSpPr/>
+        <p:nvPr/>
+      </p:nvGrpSpPr>
+      <p:grpSpPr>
+        <a:xfrm>
+          <a:off x="0" y="0"/>
+          <a:ext cx="0" cy="0"/>
+          <a:chOff x="0" y="0"/>
+          <a:chExt cx="0" cy="0"/>
+        </a:xfrm>
+      </p:grpSpPr>
+      <p:sp>
+        <p:nvSpPr>
+          <p:cNvPr id="2" name="Titre 1">
+            <a:extLst>
+              <a:ext uri="{FF2B5EF4-FFF2-40B4-BE49-F238E27FC236}">
+                <a16:creationId xmlns:a16="http://schemas.microsoft.com/office/drawing/2014/main" id="{8C7FF886-61D3-486A-96F8-7B656F548C16}"/>
+              </a:ext>
+            </a:extLst>
+          </p:cNvPr>
+          <p:cNvSpPr>
+            <a:spLocks noGrp="1"/>
+          </p:cNvSpPr>
+          <p:nvPr>
+            <p:ph type="title"/>
+          </p:nvPr>
+        </p:nvSpPr>
+        <p:spPr/>
+        <p:txBody>
+          <a:bodyPr/>
+          <a:lstStyle/>
+          <a:p>
+            <a:r>
+              <a:rPr lang="en-US" dirty="0"/>
+              <a:t>Padding</a:t>
+            </a:r>
+          </a:p>
+        </p:txBody>
+      </p:sp>
+      <p:sp>
+        <p:nvSpPr>
+          <p:cNvPr id="3" name="Espace réservé du texte 2">
+            <a:extLst>
+              <a:ext uri="{FF2B5EF4-FFF2-40B4-BE49-F238E27FC236}">
+                <a16:creationId xmlns:a16="http://schemas.microsoft.com/office/drawing/2014/main" id="{F7C15EE3-5D97-4C6B-93CA-6F7548DCF777}"/>
+              </a:ext>
+            </a:extLst>
+          </p:cNvPr>
+          <p:cNvSpPr>
+            <a:spLocks noGrp="1"/>
+          </p:cNvSpPr>
+          <p:nvPr>
+            <p:ph type="body" sz="quarter" idx="10"/>
+          </p:nvPr>
+        </p:nvSpPr>
+        <p:spPr/>
+        <p:txBody>
+          <a:bodyPr/>
+          <a:lstStyle/>
+          <a:p>
+            <a:endParaRPr lang="en-US" dirty="0"/>
+          </a:p>
+        </p:txBody>
+      </p:sp>
+      <p:pic>
+        <p:nvPicPr>
+          <p:cNvPr id="1026" name="Picture 2" descr="An Introduction to different Types of Convolutions in Deep Learning | by  Paul-Louis Pröve | Towards Data Science">
+            <a:extLst>
+              <a:ext uri="{FF2B5EF4-FFF2-40B4-BE49-F238E27FC236}">
+                <a16:creationId xmlns:a16="http://schemas.microsoft.com/office/drawing/2014/main" id="{54AC5589-8286-49A6-8BE2-E78E5A69F7D0}"/>
+              </a:ext>
+            </a:extLst>
+          </p:cNvPr>
+          <p:cNvPicPr>
+            <a:picLocks noChangeAspect="1" noChangeArrowheads="1" noCrop="1"/>
+          </p:cNvPicPr>
+          <p:nvPr/>
+        </p:nvPicPr>
+        <p:blipFill>
+          <a:blip r:embed="rId2">
+            <a:extLst>
+              <a:ext uri="{28A0092B-C50C-407E-A947-70E740481C1C}">
+                <a14:useLocalDpi xmlns:a14="http://schemas.microsoft.com/office/drawing/2010/main" val="0"/>
+              </a:ext>
+            </a:extLst>
+          </a:blip>
+          <a:srcRect/>
+          <a:stretch>
+            <a:fillRect/>
+          </a:stretch>
+        </p:blipFill>
+        <p:spPr bwMode="auto">
+          <a:xfrm>
+            <a:off x="7591425" y="1622903"/>
+            <a:ext cx="3762375" cy="4276725"/>
+          </a:xfrm>
+          <a:prstGeom prst="rect">
+            <a:avLst/>
+          </a:prstGeom>
+          <a:noFill/>
+          <a:extLst>
+            <a:ext uri="{909E8E84-426E-40DD-AFC4-6F175D3DCCD1}">
+              <a14:hiddenFill xmlns:a14="http://schemas.microsoft.com/office/drawing/2010/main">
+                <a:solidFill>
+                  <a:srgbClr val="FFFFFF"/>
+                </a:solidFill>
+              </a14:hiddenFill>
+            </a:ext>
+          </a:extLst>
+        </p:spPr>
+      </p:pic>
+      <p:pic>
+        <p:nvPicPr>
+          <p:cNvPr id="1028" name="Picture 4" descr="What is “padding” in Convolutional Neural Network?">
+            <a:extLst>
+              <a:ext uri="{FF2B5EF4-FFF2-40B4-BE49-F238E27FC236}">
+                <a16:creationId xmlns:a16="http://schemas.microsoft.com/office/drawing/2014/main" id="{1AD1EFA5-4D2D-40FF-AB01-CCB17132C336}"/>
+              </a:ext>
+            </a:extLst>
+          </p:cNvPr>
+          <p:cNvPicPr>
+            <a:picLocks noChangeAspect="1" noChangeArrowheads="1"/>
+          </p:cNvPicPr>
+          <p:nvPr/>
+        </p:nvPicPr>
+        <p:blipFill>
+          <a:blip r:embed="rId3">
+            <a:extLst>
+              <a:ext uri="{28A0092B-C50C-407E-A947-70E740481C1C}">
+                <a14:useLocalDpi xmlns:a14="http://schemas.microsoft.com/office/drawing/2010/main" val="0"/>
+              </a:ext>
+            </a:extLst>
+          </a:blip>
+          <a:srcRect/>
+          <a:stretch>
+            <a:fillRect/>
+          </a:stretch>
+        </p:blipFill>
+        <p:spPr bwMode="auto">
+          <a:xfrm>
+            <a:off x="517688" y="2364736"/>
+            <a:ext cx="6167294" cy="3192152"/>
+          </a:xfrm>
+          <a:prstGeom prst="rect">
+            <a:avLst/>
+          </a:prstGeom>
+          <a:noFill/>
+          <a:extLst>
+            <a:ext uri="{909E8E84-426E-40DD-AFC4-6F175D3DCCD1}">
+              <a14:hiddenFill xmlns:a14="http://schemas.microsoft.com/office/drawing/2010/main">
+                <a:solidFill>
+                  <a:srgbClr val="FFFFFF"/>
+                </a:solidFill>
+              </a14:hiddenFill>
+            </a:ext>
+          </a:extLst>
+        </p:spPr>
+      </p:pic>
+    </p:spTree>
+    <p:extLst>
+      <p:ext uri="{BB962C8B-B14F-4D97-AF65-F5344CB8AC3E}">
+        <p14:creationId xmlns:p14="http://schemas.microsoft.com/office/powerpoint/2010/main" val="798102881"/>
+      </p:ext>
+    </p:extLst>
+  </p:cSld>
+  <p:clrMapOvr>
+    <a:masterClrMapping/>
+  </p:clrMapOvr>
+</p:sld>
+</file>
+
+<file path=ppt/slides/slide8.xml><?xml version="1.0" encoding="utf-8"?>
+<p:sld xmlns:a="http://schemas.openxmlformats.org/drawingml/2006/main" xmlns:r="http://schemas.openxmlformats.org/officeDocument/2006/relationships" xmlns:p="http://schemas.openxmlformats.org/presentationml/2006/main">
+  <p:cSld>
+    <p:spTree>
+      <p:nvGrpSpPr>
+        <p:cNvPr id="1" name=""/>
+        <p:cNvGrpSpPr/>
+        <p:nvPr/>
+      </p:nvGrpSpPr>
+      <p:grpSpPr>
+        <a:xfrm>
+          <a:off x="0" y="0"/>
+          <a:ext cx="0" cy="0"/>
+          <a:chOff x="0" y="0"/>
+          <a:chExt cx="0" cy="0"/>
+        </a:xfrm>
+      </p:grpSpPr>
+      <p:sp>
+        <p:nvSpPr>
+          <p:cNvPr id="2" name="Titre 1">
+            <a:extLst>
+              <a:ext uri="{FF2B5EF4-FFF2-40B4-BE49-F238E27FC236}">
+                <a16:creationId xmlns:a16="http://schemas.microsoft.com/office/drawing/2014/main" id="{53C68F15-0569-4E09-BA4D-205E4170A8E2}"/>
+              </a:ext>
+            </a:extLst>
+          </p:cNvPr>
+          <p:cNvSpPr>
+            <a:spLocks noGrp="1"/>
+          </p:cNvSpPr>
+          <p:nvPr>
+            <p:ph type="title"/>
+          </p:nvPr>
+        </p:nvSpPr>
+        <p:spPr/>
+        <p:txBody>
+          <a:bodyPr/>
+          <a:lstStyle/>
+          <a:p>
+            <a:r>
+              <a:rPr lang="en-US" dirty="0"/>
+              <a:t>Pooling (or </a:t>
+            </a:r>
+            <a:r>
+              <a:rPr lang="en-US" dirty="0" err="1"/>
+              <a:t>Downsampling</a:t>
+            </a:r>
+            <a:r>
+              <a:rPr lang="en-US" dirty="0"/>
+              <a:t>)</a:t>
+            </a:r>
+          </a:p>
+        </p:txBody>
+      </p:sp>
+      <p:sp>
+        <p:nvSpPr>
+          <p:cNvPr id="3" name="Espace réservé du texte 2">
+            <a:extLst>
+              <a:ext uri="{FF2B5EF4-FFF2-40B4-BE49-F238E27FC236}">
+                <a16:creationId xmlns:a16="http://schemas.microsoft.com/office/drawing/2014/main" id="{CDA3C489-9E13-43D7-B718-18322D7A2345}"/>
+              </a:ext>
+            </a:extLst>
+          </p:cNvPr>
+          <p:cNvSpPr>
+            <a:spLocks noGrp="1"/>
+          </p:cNvSpPr>
+          <p:nvPr>
+            <p:ph type="body" sz="quarter" idx="10"/>
+          </p:nvPr>
+        </p:nvSpPr>
+        <p:spPr/>
+        <p:txBody>
+          <a:bodyPr/>
+          <a:lstStyle/>
+          <a:p>
+            <a:r>
+              <a:rPr lang="en-US" dirty="0"/>
+              <a:t>After sending result of the convolution through </a:t>
+            </a:r>
+            <a:r>
+              <a:rPr lang="en-US" b="1" dirty="0"/>
+              <a:t>activation</a:t>
+            </a:r>
+          </a:p>
+          <a:p>
+            <a:pPr lvl="1"/>
+            <a:r>
+              <a:rPr lang="en-US" dirty="0"/>
+              <a:t>Pick the highest resulting value in a small grid applied to image</a:t>
+            </a:r>
+          </a:p>
+          <a:p>
+            <a:pPr lvl="1"/>
+            <a:r>
+              <a:rPr lang="en-US" dirty="0"/>
+              <a:t>Idea: only pick the most important features created by filters</a:t>
+            </a:r>
+          </a:p>
+        </p:txBody>
+      </p:sp>
+      <p:pic>
+        <p:nvPicPr>
+          <p:cNvPr id="2050" name="Picture 2" descr="Max Pooling Explained | Papers With Code">
+            <a:extLst>
+              <a:ext uri="{FF2B5EF4-FFF2-40B4-BE49-F238E27FC236}">
+                <a16:creationId xmlns:a16="http://schemas.microsoft.com/office/drawing/2014/main" id="{0F405166-435F-49C5-918D-9429BD80D3E6}"/>
+              </a:ext>
+            </a:extLst>
+          </p:cNvPr>
+          <p:cNvPicPr>
+            <a:picLocks noChangeAspect="1" noChangeArrowheads="1"/>
+          </p:cNvPicPr>
+          <p:nvPr/>
+        </p:nvPicPr>
+        <p:blipFill>
+          <a:blip r:embed="rId2">
+            <a:extLst>
+              <a:ext uri="{28A0092B-C50C-407E-A947-70E740481C1C}">
+                <a14:useLocalDpi xmlns:a14="http://schemas.microsoft.com/office/drawing/2010/main" val="0"/>
+              </a:ext>
+            </a:extLst>
+          </a:blip>
+          <a:srcRect/>
+          <a:stretch>
+            <a:fillRect/>
+          </a:stretch>
+        </p:blipFill>
+        <p:spPr bwMode="auto">
+          <a:xfrm>
+            <a:off x="802163" y="3300763"/>
+            <a:ext cx="5293837" cy="2209295"/>
+          </a:xfrm>
+          <a:prstGeom prst="rect">
+            <a:avLst/>
+          </a:prstGeom>
+          <a:noFill/>
+          <a:extLst>
+            <a:ext uri="{909E8E84-426E-40DD-AFC4-6F175D3DCCD1}">
+              <a14:hiddenFill xmlns:a14="http://schemas.microsoft.com/office/drawing/2010/main">
+                <a:solidFill>
+                  <a:srgbClr val="FFFFFF"/>
+                </a:solidFill>
+              </a14:hiddenFill>
+            </a:ext>
+          </a:extLst>
+        </p:spPr>
+      </p:pic>
+      <p:pic>
+        <p:nvPicPr>
+          <p:cNvPr id="2052" name="Picture 4" descr="Pooling In Convolutional Neural Networks">
+            <a:extLst>
+              <a:ext uri="{FF2B5EF4-FFF2-40B4-BE49-F238E27FC236}">
+                <a16:creationId xmlns:a16="http://schemas.microsoft.com/office/drawing/2014/main" id="{49878F9E-CA40-48E7-A8CC-304EB30EB73E}"/>
+              </a:ext>
+            </a:extLst>
+          </p:cNvPr>
+          <p:cNvPicPr>
+            <a:picLocks noChangeAspect="1" noChangeArrowheads="1"/>
+          </p:cNvPicPr>
+          <p:nvPr/>
+        </p:nvPicPr>
+        <p:blipFill rotWithShape="1">
+          <a:blip r:embed="rId3" cstate="print">
+            <a:extLst>
+              <a:ext uri="{28A0092B-C50C-407E-A947-70E740481C1C}">
+                <a14:useLocalDpi xmlns:a14="http://schemas.microsoft.com/office/drawing/2010/main" val="0"/>
+              </a:ext>
+            </a:extLst>
+          </a:blip>
+          <a:srcRect l="10380" r="8058"/>
+          <a:stretch/>
+        </p:blipFill>
+        <p:spPr bwMode="auto">
+          <a:xfrm>
+            <a:off x="6488585" y="3300763"/>
+            <a:ext cx="5398615" cy="2140842"/>
+          </a:xfrm>
+          <a:prstGeom prst="rect">
+            <a:avLst/>
+          </a:prstGeom>
+          <a:noFill/>
+          <a:extLst>
+            <a:ext uri="{909E8E84-426E-40DD-AFC4-6F175D3DCCD1}">
+              <a14:hiddenFill xmlns:a14="http://schemas.microsoft.com/office/drawing/2010/main">
+                <a:solidFill>
+                  <a:srgbClr val="FFFFFF"/>
+                </a:solidFill>
+              </a14:hiddenFill>
+            </a:ext>
+          </a:extLst>
+        </p:spPr>
+      </p:pic>
+    </p:spTree>
+    <p:extLst>
+      <p:ext uri="{BB962C8B-B14F-4D97-AF65-F5344CB8AC3E}">
+        <p14:creationId xmlns:p14="http://schemas.microsoft.com/office/powerpoint/2010/main" val="1725700376"/>
+      </p:ext>
+    </p:extLst>
+  </p:cSld>
+  <p:clrMapOvr>
+    <a:masterClrMapping/>
+  </p:clrMapOvr>
+</p:sld>
+</file>
+
+<file path=ppt/slides/slide9.xml><?xml version="1.0" encoding="utf-8"?>
+<p:sld xmlns:a="http://schemas.openxmlformats.org/drawingml/2006/main" xmlns:r="http://schemas.openxmlformats.org/officeDocument/2006/relationships" xmlns:p="http://schemas.openxmlformats.org/presentationml/2006/main">
+  <p:cSld>
+    <p:spTree>
+      <p:nvGrpSpPr>
+        <p:cNvPr id="1" name=""/>
+        <p:cNvGrpSpPr/>
+        <p:nvPr/>
+      </p:nvGrpSpPr>
+      <p:grpSpPr>
+        <a:xfrm>
+          <a:off x="0" y="0"/>
+          <a:ext cx="0" cy="0"/>
+          <a:chOff x="0" y="0"/>
+          <a:chExt cx="0" cy="0"/>
+        </a:xfrm>
+      </p:grpSpPr>
+      <p:sp>
+        <p:nvSpPr>
+          <p:cNvPr id="2" name="Titre 1">
+            <a:extLst>
+              <a:ext uri="{FF2B5EF4-FFF2-40B4-BE49-F238E27FC236}">
+                <a16:creationId xmlns:a16="http://schemas.microsoft.com/office/drawing/2014/main" id="{53C68F15-0569-4E09-BA4D-205E4170A8E2}"/>
+              </a:ext>
+            </a:extLst>
+          </p:cNvPr>
+          <p:cNvSpPr>
+            <a:spLocks noGrp="1"/>
+          </p:cNvSpPr>
+          <p:nvPr>
+            <p:ph type="title"/>
+          </p:nvPr>
+        </p:nvSpPr>
+        <p:spPr/>
+        <p:txBody>
+          <a:bodyPr/>
+          <a:lstStyle/>
+          <a:p>
+            <a:r>
+              <a:rPr lang="en-US" dirty="0"/>
+              <a:t>Pooling (or </a:t>
+            </a:r>
+            <a:r>
+              <a:rPr lang="en-US" dirty="0" err="1"/>
+              <a:t>Downsampling</a:t>
+            </a:r>
+            <a:r>
+              <a:rPr lang="en-US" dirty="0"/>
+              <a:t>)</a:t>
+            </a:r>
+          </a:p>
+        </p:txBody>
+      </p:sp>
+      <p:sp>
+        <p:nvSpPr>
+          <p:cNvPr id="3" name="Espace réservé du texte 2">
+            <a:extLst>
+              <a:ext uri="{FF2B5EF4-FFF2-40B4-BE49-F238E27FC236}">
+                <a16:creationId xmlns:a16="http://schemas.microsoft.com/office/drawing/2014/main" id="{CDA3C489-9E13-43D7-B718-18322D7A2345}"/>
+              </a:ext>
+            </a:extLst>
+          </p:cNvPr>
+          <p:cNvSpPr>
+            <a:spLocks noGrp="1"/>
+          </p:cNvSpPr>
+          <p:nvPr>
+            <p:ph type="body" sz="quarter" idx="10"/>
+          </p:nvPr>
+        </p:nvSpPr>
+        <p:spPr/>
+        <p:txBody>
+          <a:bodyPr/>
+          <a:lstStyle/>
+          <a:p>
+            <a:r>
+              <a:rPr lang="en-US" dirty="0"/>
+              <a:t>Different possible choices of pooling</a:t>
+            </a:r>
+          </a:p>
+          <a:p>
+            <a:pPr lvl="1"/>
+            <a:r>
+              <a:rPr lang="en-US" dirty="0"/>
+              <a:t>Get the highest value in window (</a:t>
+            </a:r>
+            <a:r>
+              <a:rPr lang="en-US" dirty="0" err="1"/>
+              <a:t>MaxPool</a:t>
+            </a:r>
+            <a:r>
+              <a:rPr lang="en-US" dirty="0"/>
+              <a:t>)</a:t>
+            </a:r>
+          </a:p>
+          <a:p>
+            <a:pPr lvl="1"/>
+            <a:r>
+              <a:rPr lang="en-US" dirty="0"/>
+              <a:t>Average over values in window (</a:t>
+            </a:r>
+            <a:r>
+              <a:rPr lang="en-US" dirty="0" err="1"/>
+              <a:t>AvgPool</a:t>
+            </a:r>
+            <a:r>
+              <a:rPr lang="en-US" dirty="0"/>
+              <a:t>)</a:t>
+            </a:r>
+          </a:p>
+          <a:p>
+            <a:pPr lvl="1"/>
+            <a:r>
+              <a:rPr lang="en-US" dirty="0"/>
+              <a:t>…</a:t>
+            </a:r>
+          </a:p>
+        </p:txBody>
+      </p:sp>
+    </p:spTree>
+    <p:extLst>
+      <p:ext uri="{BB962C8B-B14F-4D97-AF65-F5344CB8AC3E}">
+        <p14:creationId xmlns:p14="http://schemas.microsoft.com/office/powerpoint/2010/main" val="2593618649"/>
       </p:ext>
     </p:extLst>
   </p:cSld>

--- a/deep-learning-in-practice-with-pytorch/2-convolutional-neural-networks.pptx
+++ b/deep-learning-in-practice-with-pytorch/2-convolutional-neural-networks.pptx
@@ -4,6 +4,9 @@
   <p:sldMasterIdLst>
     <p:sldMasterId id="2147483648" r:id="rId1"/>
   </p:sldMasterIdLst>
+  <p:notesMasterIdLst>
+    <p:notesMasterId r:id="rId20"/>
+  </p:notesMasterIdLst>
   <p:sldIdLst>
     <p:sldId id="257" r:id="rId2"/>
     <p:sldId id="258" r:id="rId3"/>
@@ -17,9 +20,12 @@
     <p:sldId id="269" r:id="rId11"/>
     <p:sldId id="259" r:id="rId12"/>
     <p:sldId id="260" r:id="rId13"/>
-    <p:sldId id="262" r:id="rId14"/>
-    <p:sldId id="261" r:id="rId15"/>
-    <p:sldId id="271" r:id="rId16"/>
+    <p:sldId id="273" r:id="rId14"/>
+    <p:sldId id="274" r:id="rId15"/>
+    <p:sldId id="275" r:id="rId16"/>
+    <p:sldId id="262" r:id="rId17"/>
+    <p:sldId id="261" r:id="rId18"/>
+    <p:sldId id="271" r:id="rId19"/>
   </p:sldIdLst>
   <p:sldSz cx="12192000" cy="6858000"/>
   <p:notesSz cx="6858000" cy="9144000"/>
@@ -124,6 +130,443 @@
     </p:ext>
   </p:extLst>
 </p:presentation>
+</file>
+
+<file path=ppt/notesMasters/notesMaster1.xml><?xml version="1.0" encoding="utf-8"?>
+<p:notesMaster xmlns:a="http://schemas.openxmlformats.org/drawingml/2006/main" xmlns:r="http://schemas.openxmlformats.org/officeDocument/2006/relationships" xmlns:p="http://schemas.openxmlformats.org/presentationml/2006/main">
+  <p:cSld>
+    <p:bg>
+      <p:bgRef idx="1001">
+        <a:schemeClr val="bg1"/>
+      </p:bgRef>
+    </p:bg>
+    <p:spTree>
+      <p:nvGrpSpPr>
+        <p:cNvPr id="1" name=""/>
+        <p:cNvGrpSpPr/>
+        <p:nvPr/>
+      </p:nvGrpSpPr>
+      <p:grpSpPr>
+        <a:xfrm>
+          <a:off x="0" y="0"/>
+          <a:ext cx="0" cy="0"/>
+          <a:chOff x="0" y="0"/>
+          <a:chExt cx="0" cy="0"/>
+        </a:xfrm>
+      </p:grpSpPr>
+      <p:sp>
+        <p:nvSpPr>
+          <p:cNvPr id="2" name="Espace réservé de l'en-tête 1"/>
+          <p:cNvSpPr>
+            <a:spLocks noGrp="1"/>
+          </p:cNvSpPr>
+          <p:nvPr>
+            <p:ph type="hdr" sz="quarter"/>
+          </p:nvPr>
+        </p:nvSpPr>
+        <p:spPr>
+          <a:xfrm>
+            <a:off x="0" y="0"/>
+            <a:ext cx="2971800" cy="458788"/>
+          </a:xfrm>
+          <a:prstGeom prst="rect">
+            <a:avLst/>
+          </a:prstGeom>
+        </p:spPr>
+        <p:txBody>
+          <a:bodyPr vert="horz" lIns="91440" tIns="45720" rIns="91440" bIns="45720" rtlCol="0"/>
+          <a:lstStyle>
+            <a:lvl1pPr algn="l">
+              <a:defRPr sz="1200"/>
+            </a:lvl1pPr>
+          </a:lstStyle>
+          <a:p>
+            <a:endParaRPr lang="en-US"/>
+          </a:p>
+        </p:txBody>
+      </p:sp>
+      <p:sp>
+        <p:nvSpPr>
+          <p:cNvPr id="3" name="Espace réservé de la date 2"/>
+          <p:cNvSpPr>
+            <a:spLocks noGrp="1"/>
+          </p:cNvSpPr>
+          <p:nvPr>
+            <p:ph type="dt" idx="1"/>
+          </p:nvPr>
+        </p:nvSpPr>
+        <p:spPr>
+          <a:xfrm>
+            <a:off x="3884613" y="0"/>
+            <a:ext cx="2971800" cy="458788"/>
+          </a:xfrm>
+          <a:prstGeom prst="rect">
+            <a:avLst/>
+          </a:prstGeom>
+        </p:spPr>
+        <p:txBody>
+          <a:bodyPr vert="horz" lIns="91440" tIns="45720" rIns="91440" bIns="45720" rtlCol="0"/>
+          <a:lstStyle>
+            <a:lvl1pPr algn="r">
+              <a:defRPr sz="1200"/>
+            </a:lvl1pPr>
+          </a:lstStyle>
+          <a:p>
+            <a:fld id="{A8094676-7E06-4783-89DE-4FAD3538CC8F}" type="datetimeFigureOut">
+              <a:rPr lang="en-US" smtClean="0"/>
+              <a:t>4/4/2024</a:t>
+            </a:fld>
+            <a:endParaRPr lang="en-US"/>
+          </a:p>
+        </p:txBody>
+      </p:sp>
+      <p:sp>
+        <p:nvSpPr>
+          <p:cNvPr id="4" name="Espace réservé de l'image des diapositives 3"/>
+          <p:cNvSpPr>
+            <a:spLocks noGrp="1" noRot="1" noChangeAspect="1"/>
+          </p:cNvSpPr>
+          <p:nvPr>
+            <p:ph type="sldImg" idx="2"/>
+          </p:nvPr>
+        </p:nvSpPr>
+        <p:spPr>
+          <a:xfrm>
+            <a:off x="685800" y="1143000"/>
+            <a:ext cx="5486400" cy="3086100"/>
+          </a:xfrm>
+          <a:prstGeom prst="rect">
+            <a:avLst/>
+          </a:prstGeom>
+          <a:noFill/>
+          <a:ln w="12700">
+            <a:solidFill>
+              <a:prstClr val="black"/>
+            </a:solidFill>
+          </a:ln>
+        </p:spPr>
+        <p:txBody>
+          <a:bodyPr vert="horz" lIns="91440" tIns="45720" rIns="91440" bIns="45720" rtlCol="0" anchor="ctr"/>
+          <a:lstStyle/>
+          <a:p>
+            <a:endParaRPr lang="en-US"/>
+          </a:p>
+        </p:txBody>
+      </p:sp>
+      <p:sp>
+        <p:nvSpPr>
+          <p:cNvPr id="5" name="Espace réservé des notes 4"/>
+          <p:cNvSpPr>
+            <a:spLocks noGrp="1"/>
+          </p:cNvSpPr>
+          <p:nvPr>
+            <p:ph type="body" sz="quarter" idx="3"/>
+          </p:nvPr>
+        </p:nvSpPr>
+        <p:spPr>
+          <a:xfrm>
+            <a:off x="685800" y="4400550"/>
+            <a:ext cx="5486400" cy="3600450"/>
+          </a:xfrm>
+          <a:prstGeom prst="rect">
+            <a:avLst/>
+          </a:prstGeom>
+        </p:spPr>
+        <p:txBody>
+          <a:bodyPr vert="horz" lIns="91440" tIns="45720" rIns="91440" bIns="45720" rtlCol="0"/>
+          <a:lstStyle/>
+          <a:p>
+            <a:pPr lvl="0"/>
+            <a:r>
+              <a:rPr lang="fr-FR"/>
+              <a:t>Cliquez pour modifier les styles du texte du masque</a:t>
+            </a:r>
+          </a:p>
+          <a:p>
+            <a:pPr lvl="1"/>
+            <a:r>
+              <a:rPr lang="fr-FR"/>
+              <a:t>Deuxième niveau</a:t>
+            </a:r>
+          </a:p>
+          <a:p>
+            <a:pPr lvl="2"/>
+            <a:r>
+              <a:rPr lang="fr-FR"/>
+              <a:t>Troisième niveau</a:t>
+            </a:r>
+          </a:p>
+          <a:p>
+            <a:pPr lvl="3"/>
+            <a:r>
+              <a:rPr lang="fr-FR"/>
+              <a:t>Quatrième niveau</a:t>
+            </a:r>
+          </a:p>
+          <a:p>
+            <a:pPr lvl="4"/>
+            <a:r>
+              <a:rPr lang="fr-FR"/>
+              <a:t>Cinquième niveau</a:t>
+            </a:r>
+            <a:endParaRPr lang="en-US"/>
+          </a:p>
+        </p:txBody>
+      </p:sp>
+      <p:sp>
+        <p:nvSpPr>
+          <p:cNvPr id="6" name="Espace réservé du pied de page 5"/>
+          <p:cNvSpPr>
+            <a:spLocks noGrp="1"/>
+          </p:cNvSpPr>
+          <p:nvPr>
+            <p:ph type="ftr" sz="quarter" idx="4"/>
+          </p:nvPr>
+        </p:nvSpPr>
+        <p:spPr>
+          <a:xfrm>
+            <a:off x="0" y="8685213"/>
+            <a:ext cx="2971800" cy="458787"/>
+          </a:xfrm>
+          <a:prstGeom prst="rect">
+            <a:avLst/>
+          </a:prstGeom>
+        </p:spPr>
+        <p:txBody>
+          <a:bodyPr vert="horz" lIns="91440" tIns="45720" rIns="91440" bIns="45720" rtlCol="0" anchor="b"/>
+          <a:lstStyle>
+            <a:lvl1pPr algn="l">
+              <a:defRPr sz="1200"/>
+            </a:lvl1pPr>
+          </a:lstStyle>
+          <a:p>
+            <a:endParaRPr lang="en-US"/>
+          </a:p>
+        </p:txBody>
+      </p:sp>
+      <p:sp>
+        <p:nvSpPr>
+          <p:cNvPr id="7" name="Espace réservé du numéro de diapositive 6"/>
+          <p:cNvSpPr>
+            <a:spLocks noGrp="1"/>
+          </p:cNvSpPr>
+          <p:nvPr>
+            <p:ph type="sldNum" sz="quarter" idx="5"/>
+          </p:nvPr>
+        </p:nvSpPr>
+        <p:spPr>
+          <a:xfrm>
+            <a:off x="3884613" y="8685213"/>
+            <a:ext cx="2971800" cy="458787"/>
+          </a:xfrm>
+          <a:prstGeom prst="rect">
+            <a:avLst/>
+          </a:prstGeom>
+        </p:spPr>
+        <p:txBody>
+          <a:bodyPr vert="horz" lIns="91440" tIns="45720" rIns="91440" bIns="45720" rtlCol="0" anchor="b"/>
+          <a:lstStyle>
+            <a:lvl1pPr algn="r">
+              <a:defRPr sz="1200"/>
+            </a:lvl1pPr>
+          </a:lstStyle>
+          <a:p>
+            <a:fld id="{6FFC5BB1-A2C4-4AB7-8C87-65EC73656F05}" type="slidenum">
+              <a:rPr lang="en-US" smtClean="0"/>
+              <a:t>‹N°›</a:t>
+            </a:fld>
+            <a:endParaRPr lang="en-US"/>
+          </a:p>
+        </p:txBody>
+      </p:sp>
+    </p:spTree>
+    <p:extLst>
+      <p:ext uri="{BB962C8B-B14F-4D97-AF65-F5344CB8AC3E}">
+        <p14:creationId xmlns:p14="http://schemas.microsoft.com/office/powerpoint/2010/main" val="3490862749"/>
+      </p:ext>
+    </p:extLst>
+  </p:cSld>
+  <p:clrMap bg1="lt1" tx1="dk1" bg2="lt2" tx2="dk2" accent1="accent1" accent2="accent2" accent3="accent3" accent4="accent4" accent5="accent5" accent6="accent6" hlink="hlink" folHlink="folHlink"/>
+  <p:notesStyle>
+    <a:lvl1pPr marL="0" algn="l" defTabSz="914400" rtl="0" eaLnBrk="1" latinLnBrk="0" hangingPunct="1">
+      <a:defRPr sz="1200" kern="1200">
+        <a:solidFill>
+          <a:schemeClr val="tx1"/>
+        </a:solidFill>
+        <a:latin typeface="+mn-lt"/>
+        <a:ea typeface="+mn-ea"/>
+        <a:cs typeface="+mn-cs"/>
+      </a:defRPr>
+    </a:lvl1pPr>
+    <a:lvl2pPr marL="457200" algn="l" defTabSz="914400" rtl="0" eaLnBrk="1" latinLnBrk="0" hangingPunct="1">
+      <a:defRPr sz="1200" kern="1200">
+        <a:solidFill>
+          <a:schemeClr val="tx1"/>
+        </a:solidFill>
+        <a:latin typeface="+mn-lt"/>
+        <a:ea typeface="+mn-ea"/>
+        <a:cs typeface="+mn-cs"/>
+      </a:defRPr>
+    </a:lvl2pPr>
+    <a:lvl3pPr marL="914400" algn="l" defTabSz="914400" rtl="0" eaLnBrk="1" latinLnBrk="0" hangingPunct="1">
+      <a:defRPr sz="1200" kern="1200">
+        <a:solidFill>
+          <a:schemeClr val="tx1"/>
+        </a:solidFill>
+        <a:latin typeface="+mn-lt"/>
+        <a:ea typeface="+mn-ea"/>
+        <a:cs typeface="+mn-cs"/>
+      </a:defRPr>
+    </a:lvl3pPr>
+    <a:lvl4pPr marL="1371600" algn="l" defTabSz="914400" rtl="0" eaLnBrk="1" latinLnBrk="0" hangingPunct="1">
+      <a:defRPr sz="1200" kern="1200">
+        <a:solidFill>
+          <a:schemeClr val="tx1"/>
+        </a:solidFill>
+        <a:latin typeface="+mn-lt"/>
+        <a:ea typeface="+mn-ea"/>
+        <a:cs typeface="+mn-cs"/>
+      </a:defRPr>
+    </a:lvl4pPr>
+    <a:lvl5pPr marL="1828800" algn="l" defTabSz="914400" rtl="0" eaLnBrk="1" latinLnBrk="0" hangingPunct="1">
+      <a:defRPr sz="1200" kern="1200">
+        <a:solidFill>
+          <a:schemeClr val="tx1"/>
+        </a:solidFill>
+        <a:latin typeface="+mn-lt"/>
+        <a:ea typeface="+mn-ea"/>
+        <a:cs typeface="+mn-cs"/>
+      </a:defRPr>
+    </a:lvl5pPr>
+    <a:lvl6pPr marL="2286000" algn="l" defTabSz="914400" rtl="0" eaLnBrk="1" latinLnBrk="0" hangingPunct="1">
+      <a:defRPr sz="1200" kern="1200">
+        <a:solidFill>
+          <a:schemeClr val="tx1"/>
+        </a:solidFill>
+        <a:latin typeface="+mn-lt"/>
+        <a:ea typeface="+mn-ea"/>
+        <a:cs typeface="+mn-cs"/>
+      </a:defRPr>
+    </a:lvl6pPr>
+    <a:lvl7pPr marL="2743200" algn="l" defTabSz="914400" rtl="0" eaLnBrk="1" latinLnBrk="0" hangingPunct="1">
+      <a:defRPr sz="1200" kern="1200">
+        <a:solidFill>
+          <a:schemeClr val="tx1"/>
+        </a:solidFill>
+        <a:latin typeface="+mn-lt"/>
+        <a:ea typeface="+mn-ea"/>
+        <a:cs typeface="+mn-cs"/>
+      </a:defRPr>
+    </a:lvl7pPr>
+    <a:lvl8pPr marL="3200400" algn="l" defTabSz="914400" rtl="0" eaLnBrk="1" latinLnBrk="0" hangingPunct="1">
+      <a:defRPr sz="1200" kern="1200">
+        <a:solidFill>
+          <a:schemeClr val="tx1"/>
+        </a:solidFill>
+        <a:latin typeface="+mn-lt"/>
+        <a:ea typeface="+mn-ea"/>
+        <a:cs typeface="+mn-cs"/>
+      </a:defRPr>
+    </a:lvl8pPr>
+    <a:lvl9pPr marL="3657600" algn="l" defTabSz="914400" rtl="0" eaLnBrk="1" latinLnBrk="0" hangingPunct="1">
+      <a:defRPr sz="1200" kern="1200">
+        <a:solidFill>
+          <a:schemeClr val="tx1"/>
+        </a:solidFill>
+        <a:latin typeface="+mn-lt"/>
+        <a:ea typeface="+mn-ea"/>
+        <a:cs typeface="+mn-cs"/>
+      </a:defRPr>
+    </a:lvl9pPr>
+  </p:notesStyle>
+</p:notesMaster>
+</file>
+
+<file path=ppt/notesSlides/notesSlide1.xml><?xml version="1.0" encoding="utf-8"?>
+<p:notes xmlns:a="http://schemas.openxmlformats.org/drawingml/2006/main" xmlns:r="http://schemas.openxmlformats.org/officeDocument/2006/relationships" xmlns:p="http://schemas.openxmlformats.org/presentationml/2006/main">
+  <p:cSld>
+    <p:spTree>
+      <p:nvGrpSpPr>
+        <p:cNvPr id="1" name=""/>
+        <p:cNvGrpSpPr/>
+        <p:nvPr/>
+      </p:nvGrpSpPr>
+      <p:grpSpPr>
+        <a:xfrm>
+          <a:off x="0" y="0"/>
+          <a:ext cx="0" cy="0"/>
+          <a:chOff x="0" y="0"/>
+          <a:chExt cx="0" cy="0"/>
+        </a:xfrm>
+      </p:grpSpPr>
+      <p:sp>
+        <p:nvSpPr>
+          <p:cNvPr id="2" name="Espace réservé de l'image des diapositives 1"/>
+          <p:cNvSpPr>
+            <a:spLocks noGrp="1" noRot="1" noChangeAspect="1"/>
+          </p:cNvSpPr>
+          <p:nvPr>
+            <p:ph type="sldImg"/>
+          </p:nvPr>
+        </p:nvSpPr>
+        <p:spPr/>
+      </p:sp>
+      <p:sp>
+        <p:nvSpPr>
+          <p:cNvPr id="3" name="Espace réservé des notes 2"/>
+          <p:cNvSpPr>
+            <a:spLocks noGrp="1"/>
+          </p:cNvSpPr>
+          <p:nvPr>
+            <p:ph type="body" idx="1"/>
+          </p:nvPr>
+        </p:nvSpPr>
+        <p:spPr/>
+        <p:txBody>
+          <a:bodyPr/>
+          <a:lstStyle/>
+          <a:p>
+            <a:r>
+              <a:rPr lang="en-US" dirty="0"/>
+              <a:t>But what are these weird things?</a:t>
+            </a:r>
+          </a:p>
+        </p:txBody>
+      </p:sp>
+      <p:sp>
+        <p:nvSpPr>
+          <p:cNvPr id="4" name="Espace réservé du numéro de diapositive 3"/>
+          <p:cNvSpPr>
+            <a:spLocks noGrp="1"/>
+          </p:cNvSpPr>
+          <p:nvPr>
+            <p:ph type="sldNum" sz="quarter" idx="5"/>
+          </p:nvPr>
+        </p:nvSpPr>
+        <p:spPr/>
+        <p:txBody>
+          <a:bodyPr/>
+          <a:lstStyle/>
+          <a:p>
+            <a:fld id="{6FFC5BB1-A2C4-4AB7-8C87-65EC73656F05}" type="slidenum">
+              <a:rPr lang="en-US" smtClean="0"/>
+              <a:t>13</a:t>
+            </a:fld>
+            <a:endParaRPr lang="en-US"/>
+          </a:p>
+        </p:txBody>
+      </p:sp>
+    </p:spTree>
+    <p:extLst>
+      <p:ext uri="{BB962C8B-B14F-4D97-AF65-F5344CB8AC3E}">
+        <p14:creationId xmlns:p14="http://schemas.microsoft.com/office/powerpoint/2010/main" val="913049044"/>
+      </p:ext>
+    </p:extLst>
+  </p:cSld>
+  <p:clrMapOvr>
+    <a:masterClrMapping/>
+  </p:clrMapOvr>
+</p:notes>
 </file>
 
 <file path=ppt/slideLayouts/slideLayout1.xml><?xml version="1.0" encoding="utf-8"?>
@@ -2353,7 +2796,7 @@
           <p:cNvPr id="2" name="Titre 1">
             <a:extLst>
               <a:ext uri="{FF2B5EF4-FFF2-40B4-BE49-F238E27FC236}">
-                <a16:creationId xmlns:a16="http://schemas.microsoft.com/office/drawing/2014/main" id="{C86D7B50-8FD2-402E-AD11-1736D480542D}"/>
+                <a16:creationId xmlns:a16="http://schemas.microsoft.com/office/drawing/2014/main" id="{D0203EEA-09B3-4F40-BF0B-BA45934236CA}"/>
               </a:ext>
             </a:extLst>
           </p:cNvPr>
@@ -2371,7 +2814,7 @@
           <a:p>
             <a:r>
               <a:rPr lang="en-US" dirty="0"/>
-              <a:t>CNNs for non-images?</a:t>
+              <a:t>Looking inside a CNN</a:t>
             </a:r>
           </a:p>
         </p:txBody>
@@ -2381,7 +2824,7 @@
           <p:cNvPr id="3" name="Espace réservé du texte 2">
             <a:extLst>
               <a:ext uri="{FF2B5EF4-FFF2-40B4-BE49-F238E27FC236}">
-                <a16:creationId xmlns:a16="http://schemas.microsoft.com/office/drawing/2014/main" id="{F2BCE95D-3832-484D-BF53-525C3C3853C6}"/>
+                <a16:creationId xmlns:a16="http://schemas.microsoft.com/office/drawing/2014/main" id="{EA895EF8-E1A6-4649-A5BF-9BA18C1B6513}"/>
               </a:ext>
             </a:extLst>
           </p:cNvPr>
@@ -2399,15 +2842,175 @@
           <a:p>
             <a:r>
               <a:rPr lang="en-US" dirty="0"/>
-              <a:t>Can you imagine to use the feature construction ability of CNNs to applications that are </a:t>
-            </a:r>
-            <a:r>
-              <a:rPr lang="en-US" i="1" dirty="0"/>
-              <a:t>not </a:t>
-            </a:r>
-            <a:r>
-              <a:rPr lang="en-US" dirty="0"/>
-              <a:t>related to vision?</a:t>
+              <a:t>Tensors in output to every module</a:t>
+            </a:r>
+          </a:p>
+          <a:p>
+            <a:pPr lvl="1"/>
+            <a:r>
+              <a:rPr lang="en-US" dirty="0"/>
+              <a:t>Input has original meaning as an image</a:t>
+            </a:r>
+          </a:p>
+          <a:p>
+            <a:pPr lvl="1"/>
+            <a:r>
+              <a:rPr lang="en-US" dirty="0"/>
+              <a:t>Visualize the intermediate tensors (convolutional and pooling)</a:t>
+            </a:r>
+          </a:p>
+        </p:txBody>
+      </p:sp>
+      <p:pic>
+        <p:nvPicPr>
+          <p:cNvPr id="5" name="Image 4">
+            <a:extLst>
+              <a:ext uri="{FF2B5EF4-FFF2-40B4-BE49-F238E27FC236}">
+                <a16:creationId xmlns:a16="http://schemas.microsoft.com/office/drawing/2014/main" id="{4F704A1D-4BD3-4AAD-BA67-6E85C0111D7A}"/>
+              </a:ext>
+            </a:extLst>
+          </p:cNvPr>
+          <p:cNvPicPr>
+            <a:picLocks noChangeAspect="1"/>
+          </p:cNvPicPr>
+          <p:nvPr/>
+        </p:nvPicPr>
+        <p:blipFill>
+          <a:blip r:embed="rId3">
+            <a:extLst>
+              <a:ext uri="{28A0092B-C50C-407E-A947-70E740481C1C}">
+                <a14:useLocalDpi xmlns:a14="http://schemas.microsoft.com/office/drawing/2010/main" val="0"/>
+              </a:ext>
+            </a:extLst>
+          </a:blip>
+          <a:stretch>
+            <a:fillRect/>
+          </a:stretch>
+        </p:blipFill>
+        <p:spPr>
+          <a:xfrm>
+            <a:off x="4025244" y="3049702"/>
+            <a:ext cx="6309477" cy="3443172"/>
+          </a:xfrm>
+          <a:prstGeom prst="rect">
+            <a:avLst/>
+          </a:prstGeom>
+        </p:spPr>
+      </p:pic>
+      <p:sp>
+        <p:nvSpPr>
+          <p:cNvPr id="4" name="Flèche : droite rayée 3">
+            <a:extLst>
+              <a:ext uri="{FF2B5EF4-FFF2-40B4-BE49-F238E27FC236}">
+                <a16:creationId xmlns:a16="http://schemas.microsoft.com/office/drawing/2014/main" id="{E1C34918-E168-473D-9C49-156F20ADAB29}"/>
+              </a:ext>
+            </a:extLst>
+          </p:cNvPr>
+          <p:cNvSpPr/>
+          <p:nvPr/>
+        </p:nvSpPr>
+        <p:spPr>
+          <a:xfrm rot="16200000">
+            <a:off x="2396675" y="4546411"/>
+            <a:ext cx="2511640" cy="593888"/>
+          </a:xfrm>
+          <a:prstGeom prst="stripedRightArrow">
+            <a:avLst/>
+          </a:prstGeom>
+        </p:spPr>
+        <p:style>
+          <a:lnRef idx="2">
+            <a:schemeClr val="accent6">
+              <a:shade val="50000"/>
+            </a:schemeClr>
+          </a:lnRef>
+          <a:fillRef idx="1">
+            <a:schemeClr val="accent6"/>
+          </a:fillRef>
+          <a:effectRef idx="0">
+            <a:schemeClr val="accent6"/>
+          </a:effectRef>
+          <a:fontRef idx="minor">
+            <a:schemeClr val="lt1"/>
+          </a:fontRef>
+        </p:style>
+        <p:txBody>
+          <a:bodyPr rtlCol="0" anchor="ctr"/>
+          <a:lstStyle/>
+          <a:p>
+            <a:pPr algn="ctr"/>
+            <a:endParaRPr lang="en-US"/>
+          </a:p>
+        </p:txBody>
+      </p:sp>
+      <p:sp>
+        <p:nvSpPr>
+          <p:cNvPr id="6" name="ZoneTexte 5">
+            <a:extLst>
+              <a:ext uri="{FF2B5EF4-FFF2-40B4-BE49-F238E27FC236}">
+                <a16:creationId xmlns:a16="http://schemas.microsoft.com/office/drawing/2014/main" id="{BA600276-C7C0-4491-A481-EF036F23D4B6}"/>
+              </a:ext>
+            </a:extLst>
+          </p:cNvPr>
+          <p:cNvSpPr txBox="1"/>
+          <p:nvPr/>
+        </p:nvSpPr>
+        <p:spPr>
+          <a:xfrm>
+            <a:off x="1724935" y="5764767"/>
+            <a:ext cx="1772312" cy="369332"/>
+          </a:xfrm>
+          <a:prstGeom prst="rect">
+            <a:avLst/>
+          </a:prstGeom>
+          <a:noFill/>
+        </p:spPr>
+        <p:txBody>
+          <a:bodyPr wrap="square" rtlCol="0">
+            <a:spAutoFit/>
+          </a:bodyPr>
+          <a:lstStyle/>
+          <a:p>
+            <a:pPr algn="ctr"/>
+            <a:r>
+              <a:rPr lang="en-US" dirty="0"/>
+              <a:t>First modules</a:t>
+            </a:r>
+          </a:p>
+        </p:txBody>
+      </p:sp>
+      <p:sp>
+        <p:nvSpPr>
+          <p:cNvPr id="7" name="ZoneTexte 6">
+            <a:extLst>
+              <a:ext uri="{FF2B5EF4-FFF2-40B4-BE49-F238E27FC236}">
+                <a16:creationId xmlns:a16="http://schemas.microsoft.com/office/drawing/2014/main" id="{AC9BBA79-08C6-492C-AB5B-E757D8F0EED7}"/>
+              </a:ext>
+            </a:extLst>
+          </p:cNvPr>
+          <p:cNvSpPr txBox="1"/>
+          <p:nvPr/>
+        </p:nvSpPr>
+        <p:spPr>
+          <a:xfrm>
+            <a:off x="1828642" y="3548532"/>
+            <a:ext cx="1564898" cy="369332"/>
+          </a:xfrm>
+          <a:prstGeom prst="rect">
+            <a:avLst/>
+          </a:prstGeom>
+          <a:noFill/>
+        </p:spPr>
+        <p:txBody>
+          <a:bodyPr wrap="square" rtlCol="0">
+            <a:spAutoFit/>
+          </a:bodyPr>
+          <a:lstStyle/>
+          <a:p>
+            <a:pPr algn="ctr"/>
+            <a:r>
+              <a:rPr lang="en-US" dirty="0"/>
+              <a:t>Last modules</a:t>
             </a:r>
           </a:p>
         </p:txBody>
@@ -2415,7 +3018,7 @@
     </p:spTree>
     <p:extLst>
       <p:ext uri="{BB962C8B-B14F-4D97-AF65-F5344CB8AC3E}">
-        <p14:creationId xmlns:p14="http://schemas.microsoft.com/office/powerpoint/2010/main" val="4089647688"/>
+        <p14:creationId xmlns:p14="http://schemas.microsoft.com/office/powerpoint/2010/main" val="2673358024"/>
       </p:ext>
     </p:extLst>
   </p:cSld>
@@ -2447,7 +3050,7 @@
           <p:cNvPr id="2" name="Titre 1">
             <a:extLst>
               <a:ext uri="{FF2B5EF4-FFF2-40B4-BE49-F238E27FC236}">
-                <a16:creationId xmlns:a16="http://schemas.microsoft.com/office/drawing/2014/main" id="{C1DD926E-FAC8-4AD3-9A9E-265980DA1B6B}"/>
+                <a16:creationId xmlns:a16="http://schemas.microsoft.com/office/drawing/2014/main" id="{A925E7CA-F9B8-457A-9E1D-3EDC5A8F18CD}"/>
               </a:ext>
             </a:extLst>
           </p:cNvPr>
@@ -2465,7 +3068,7 @@
           <a:p>
             <a:r>
               <a:rPr lang="en-US" dirty="0"/>
-              <a:t>CNNs for time series analysis</a:t>
+              <a:t>Features constructed by the CNN</a:t>
             </a:r>
           </a:p>
         </p:txBody>
@@ -2475,7 +3078,7 @@
           <p:cNvPr id="3" name="Espace réservé du texte 2">
             <a:extLst>
               <a:ext uri="{FF2B5EF4-FFF2-40B4-BE49-F238E27FC236}">
-                <a16:creationId xmlns:a16="http://schemas.microsoft.com/office/drawing/2014/main" id="{A7341B50-8ADE-4F13-85BD-C1FE2833C2DA}"/>
+                <a16:creationId xmlns:a16="http://schemas.microsoft.com/office/drawing/2014/main" id="{155BBF20-CF92-4A34-B785-5F0A48E03BC0}"/>
               </a:ext>
             </a:extLst>
           </p:cNvPr>
@@ -2491,67 +3094,50 @@
           <a:bodyPr/>
           <a:lstStyle/>
           <a:p>
-            <a:r>
-              <a:rPr lang="en-US" dirty="0"/>
-              <a:t>But actually, CNN perform </a:t>
-            </a:r>
-            <a:r>
-              <a:rPr lang="en-US" b="1" dirty="0"/>
-              <a:t>automatic feature construction</a:t>
-            </a:r>
-          </a:p>
-          <a:p>
-            <a:r>
-              <a:rPr lang="en-US" dirty="0"/>
-              <a:t>There are alternatives, using expert-designed features</a:t>
-            </a:r>
-          </a:p>
-          <a:p>
-            <a:r>
-              <a:rPr lang="en-US" dirty="0"/>
-              <a:t>For example, python library </a:t>
-            </a:r>
-            <a:r>
-              <a:rPr lang="en-US" b="1" dirty="0" err="1"/>
-              <a:t>tsfresh</a:t>
-            </a:r>
-            <a:endParaRPr lang="en-US" b="1" dirty="0"/>
-          </a:p>
-          <a:p>
-            <a:pPr lvl="1"/>
-            <a:r>
-              <a:rPr lang="en-US" dirty="0"/>
-              <a:t>Transform the dynamic problem into a series of static features</a:t>
-            </a:r>
-          </a:p>
-          <a:p>
-            <a:pPr lvl="1"/>
-            <a:r>
-              <a:rPr lang="en-US" dirty="0"/>
-              <a:t>This is </a:t>
-            </a:r>
-            <a:r>
-              <a:rPr lang="en-US" i="1" dirty="0"/>
-              <a:t>tabular data</a:t>
-            </a:r>
-            <a:r>
-              <a:rPr lang="en-US" dirty="0"/>
-              <a:t>! Apply classic ML algorithms</a:t>
-            </a:r>
-          </a:p>
-          <a:p>
-            <a:pPr lvl="1"/>
-            <a:r>
-              <a:rPr lang="en-US" dirty="0"/>
-              <a:t>(IMHO) Decent for classification, not so much for forecasting</a:t>
-            </a:r>
+            <a:endParaRPr lang="en-US"/>
           </a:p>
         </p:txBody>
       </p:sp>
+      <p:pic>
+        <p:nvPicPr>
+          <p:cNvPr id="5" name="Image 4">
+            <a:extLst>
+              <a:ext uri="{FF2B5EF4-FFF2-40B4-BE49-F238E27FC236}">
+                <a16:creationId xmlns:a16="http://schemas.microsoft.com/office/drawing/2014/main" id="{29138231-D733-43D1-A9FE-5D9ACF70A2F3}"/>
+              </a:ext>
+            </a:extLst>
+          </p:cNvPr>
+          <p:cNvPicPr>
+            <a:picLocks noChangeAspect="1"/>
+          </p:cNvPicPr>
+          <p:nvPr/>
+        </p:nvPicPr>
+        <p:blipFill>
+          <a:blip r:embed="rId2">
+            <a:extLst>
+              <a:ext uri="{28A0092B-C50C-407E-A947-70E740481C1C}">
+                <a14:useLocalDpi xmlns:a14="http://schemas.microsoft.com/office/drawing/2010/main" val="0"/>
+              </a:ext>
+            </a:extLst>
+          </a:blip>
+          <a:stretch>
+            <a:fillRect/>
+          </a:stretch>
+        </p:blipFill>
+        <p:spPr>
+          <a:xfrm>
+            <a:off x="2143125" y="1384778"/>
+            <a:ext cx="7905750" cy="4752975"/>
+          </a:xfrm>
+          <a:prstGeom prst="rect">
+            <a:avLst/>
+          </a:prstGeom>
+        </p:spPr>
+      </p:pic>
     </p:spTree>
     <p:extLst>
       <p:ext uri="{BB962C8B-B14F-4D97-AF65-F5344CB8AC3E}">
-        <p14:creationId xmlns:p14="http://schemas.microsoft.com/office/powerpoint/2010/main" val="1691799692"/>
+        <p14:creationId xmlns:p14="http://schemas.microsoft.com/office/powerpoint/2010/main" val="2390134099"/>
       </p:ext>
     </p:extLst>
   </p:cSld>
@@ -2583,7 +3169,7 @@
           <p:cNvPr id="2" name="Titre 1">
             <a:extLst>
               <a:ext uri="{FF2B5EF4-FFF2-40B4-BE49-F238E27FC236}">
-                <a16:creationId xmlns:a16="http://schemas.microsoft.com/office/drawing/2014/main" id="{8C01C25D-E2AC-434A-898B-2D24C862C33B}"/>
+                <a16:creationId xmlns:a16="http://schemas.microsoft.com/office/drawing/2014/main" id="{C794A8D2-9A25-4715-819E-A6F757F3F06D}"/>
               </a:ext>
             </a:extLst>
           </p:cNvPr>
@@ -2601,17 +3187,52 @@
           <a:p>
             <a:r>
               <a:rPr lang="en-US" dirty="0"/>
-              <a:t>Sequences</a:t>
+              <a:t>Features constructed by the CNN</a:t>
             </a:r>
           </a:p>
         </p:txBody>
       </p:sp>
+      <p:pic>
+        <p:nvPicPr>
+          <p:cNvPr id="5" name="Image 4">
+            <a:extLst>
+              <a:ext uri="{FF2B5EF4-FFF2-40B4-BE49-F238E27FC236}">
+                <a16:creationId xmlns:a16="http://schemas.microsoft.com/office/drawing/2014/main" id="{6DA56815-F834-4E47-8AE5-4408152A9804}"/>
+              </a:ext>
+            </a:extLst>
+          </p:cNvPr>
+          <p:cNvPicPr>
+            <a:picLocks noChangeAspect="1"/>
+          </p:cNvPicPr>
+          <p:nvPr/>
+        </p:nvPicPr>
+        <p:blipFill rotWithShape="1">
+          <a:blip r:embed="rId2">
+            <a:extLst>
+              <a:ext uri="{28A0092B-C50C-407E-A947-70E740481C1C}">
+                <a14:useLocalDpi xmlns:a14="http://schemas.microsoft.com/office/drawing/2010/main" val="0"/>
+              </a:ext>
+            </a:extLst>
+          </a:blip>
+          <a:srcRect r="51924"/>
+          <a:stretch/>
+        </p:blipFill>
+        <p:spPr>
+          <a:xfrm>
+            <a:off x="8973925" y="1730456"/>
+            <a:ext cx="2747521" cy="4905375"/>
+          </a:xfrm>
+          <a:prstGeom prst="rect">
+            <a:avLst/>
+          </a:prstGeom>
+        </p:spPr>
+      </p:pic>
       <p:sp>
         <p:nvSpPr>
           <p:cNvPr id="3" name="Espace réservé du texte 2">
             <a:extLst>
               <a:ext uri="{FF2B5EF4-FFF2-40B4-BE49-F238E27FC236}">
-                <a16:creationId xmlns:a16="http://schemas.microsoft.com/office/drawing/2014/main" id="{1D9638B2-A8B9-4A1A-AFE7-066B072DF582}"/>
+                <a16:creationId xmlns:a16="http://schemas.microsoft.com/office/drawing/2014/main" id="{FB061515-074C-4DBB-97E4-0DD9E7627412}"/>
               </a:ext>
             </a:extLst>
           </p:cNvPr>
@@ -2629,7 +3250,399 @@
           <a:p>
             <a:r>
               <a:rPr lang="en-US" dirty="0"/>
-              <a:t>In general, every sequence where adjacency has </a:t>
+              <a:t>If this is true (very likely true for large models)</a:t>
+            </a:r>
+          </a:p>
+          <a:p>
+            <a:pPr lvl="1"/>
+            <a:r>
+              <a:rPr lang="en-US" dirty="0"/>
+              <a:t>Knowledge encoded in first layers can be </a:t>
+            </a:r>
+            <a:r>
+              <a:rPr lang="en-US" b="1" dirty="0"/>
+              <a:t>re-used</a:t>
+            </a:r>
+          </a:p>
+          <a:p>
+            <a:pPr lvl="1"/>
+            <a:r>
+              <a:rPr lang="en-US" dirty="0"/>
+              <a:t>No need to re-learn from scratch features for lines or edges</a:t>
+            </a:r>
+          </a:p>
+          <a:p>
+            <a:pPr lvl="1"/>
+            <a:r>
+              <a:rPr lang="en-US" dirty="0"/>
+              <a:t>What should be re-learned are mid-to-high-level features</a:t>
+            </a:r>
+          </a:p>
+          <a:p>
+            <a:pPr lvl="1"/>
+            <a:r>
+              <a:rPr lang="en-US" dirty="0"/>
+              <a:t>Or maybe only the </a:t>
+            </a:r>
+            <a:r>
+              <a:rPr lang="en-US" b="1" dirty="0"/>
+              <a:t>final part</a:t>
+            </a:r>
+            <a:r>
+              <a:rPr lang="en-US" dirty="0"/>
+              <a:t>! (linear + activations)</a:t>
+            </a:r>
+          </a:p>
+          <a:p>
+            <a:pPr lvl="1"/>
+            <a:endParaRPr lang="en-US" dirty="0"/>
+          </a:p>
+          <a:p>
+            <a:r>
+              <a:rPr lang="en-US" dirty="0"/>
+              <a:t>First seeds of </a:t>
+            </a:r>
+            <a:r>
+              <a:rPr lang="en-US" i="1" dirty="0"/>
+              <a:t>transfer learning</a:t>
+            </a:r>
+          </a:p>
+          <a:p>
+            <a:pPr lvl="1"/>
+            <a:r>
+              <a:rPr lang="en-US" dirty="0"/>
+              <a:t>Transfer learning? Fine-tuning? </a:t>
+            </a:r>
+            <a:r>
+              <a:rPr lang="en-US" dirty="0" err="1"/>
+              <a:t>LoRA</a:t>
+            </a:r>
+            <a:r>
+              <a:rPr lang="en-US" dirty="0"/>
+              <a:t>?</a:t>
+            </a:r>
+          </a:p>
+          <a:p>
+            <a:pPr lvl="1"/>
+            <a:r>
+              <a:rPr lang="en-US" dirty="0"/>
+              <a:t>Very similar concepts</a:t>
+            </a:r>
+          </a:p>
+        </p:txBody>
+      </p:sp>
+    </p:spTree>
+    <p:extLst>
+      <p:ext uri="{BB962C8B-B14F-4D97-AF65-F5344CB8AC3E}">
+        <p14:creationId xmlns:p14="http://schemas.microsoft.com/office/powerpoint/2010/main" val="1037242650"/>
+      </p:ext>
+    </p:extLst>
+  </p:cSld>
+  <p:clrMapOvr>
+    <a:masterClrMapping/>
+  </p:clrMapOvr>
+</p:sld>
+</file>
+
+<file path=ppt/slides/slide16.xml><?xml version="1.0" encoding="utf-8"?>
+<p:sld xmlns:a="http://schemas.openxmlformats.org/drawingml/2006/main" xmlns:r="http://schemas.openxmlformats.org/officeDocument/2006/relationships" xmlns:p="http://schemas.openxmlformats.org/presentationml/2006/main">
+  <p:cSld>
+    <p:spTree>
+      <p:nvGrpSpPr>
+        <p:cNvPr id="1" name=""/>
+        <p:cNvGrpSpPr/>
+        <p:nvPr/>
+      </p:nvGrpSpPr>
+      <p:grpSpPr>
+        <a:xfrm>
+          <a:off x="0" y="0"/>
+          <a:ext cx="0" cy="0"/>
+          <a:chOff x="0" y="0"/>
+          <a:chExt cx="0" cy="0"/>
+        </a:xfrm>
+      </p:grpSpPr>
+      <p:sp>
+        <p:nvSpPr>
+          <p:cNvPr id="2" name="Titre 1">
+            <a:extLst>
+              <a:ext uri="{FF2B5EF4-FFF2-40B4-BE49-F238E27FC236}">
+                <a16:creationId xmlns:a16="http://schemas.microsoft.com/office/drawing/2014/main" id="{C86D7B50-8FD2-402E-AD11-1736D480542D}"/>
+              </a:ext>
+            </a:extLst>
+          </p:cNvPr>
+          <p:cNvSpPr>
+            <a:spLocks noGrp="1"/>
+          </p:cNvSpPr>
+          <p:nvPr>
+            <p:ph type="title"/>
+          </p:nvPr>
+        </p:nvSpPr>
+        <p:spPr/>
+        <p:txBody>
+          <a:bodyPr/>
+          <a:lstStyle/>
+          <a:p>
+            <a:r>
+              <a:rPr lang="en-US" dirty="0"/>
+              <a:t>CNNs for non-images?</a:t>
+            </a:r>
+          </a:p>
+        </p:txBody>
+      </p:sp>
+      <p:sp>
+        <p:nvSpPr>
+          <p:cNvPr id="3" name="Espace réservé du texte 2">
+            <a:extLst>
+              <a:ext uri="{FF2B5EF4-FFF2-40B4-BE49-F238E27FC236}">
+                <a16:creationId xmlns:a16="http://schemas.microsoft.com/office/drawing/2014/main" id="{F2BCE95D-3832-484D-BF53-525C3C3853C6}"/>
+              </a:ext>
+            </a:extLst>
+          </p:cNvPr>
+          <p:cNvSpPr>
+            <a:spLocks noGrp="1"/>
+          </p:cNvSpPr>
+          <p:nvPr>
+            <p:ph type="body" sz="quarter" idx="10"/>
+          </p:nvPr>
+        </p:nvSpPr>
+        <p:spPr/>
+        <p:txBody>
+          <a:bodyPr/>
+          <a:lstStyle/>
+          <a:p>
+            <a:r>
+              <a:rPr lang="en-US" dirty="0"/>
+              <a:t>Can you imagine to use the feature construction ability of CNNs to applications that are </a:t>
+            </a:r>
+            <a:r>
+              <a:rPr lang="en-US" i="1" dirty="0"/>
+              <a:t>not </a:t>
+            </a:r>
+            <a:r>
+              <a:rPr lang="en-US" dirty="0"/>
+              <a:t>related to vision?</a:t>
+            </a:r>
+          </a:p>
+        </p:txBody>
+      </p:sp>
+    </p:spTree>
+    <p:extLst>
+      <p:ext uri="{BB962C8B-B14F-4D97-AF65-F5344CB8AC3E}">
+        <p14:creationId xmlns:p14="http://schemas.microsoft.com/office/powerpoint/2010/main" val="4089647688"/>
+      </p:ext>
+    </p:extLst>
+  </p:cSld>
+  <p:clrMapOvr>
+    <a:masterClrMapping/>
+  </p:clrMapOvr>
+</p:sld>
+</file>
+
+<file path=ppt/slides/slide17.xml><?xml version="1.0" encoding="utf-8"?>
+<p:sld xmlns:a="http://schemas.openxmlformats.org/drawingml/2006/main" xmlns:r="http://schemas.openxmlformats.org/officeDocument/2006/relationships" xmlns:p="http://schemas.openxmlformats.org/presentationml/2006/main">
+  <p:cSld>
+    <p:spTree>
+      <p:nvGrpSpPr>
+        <p:cNvPr id="1" name=""/>
+        <p:cNvGrpSpPr/>
+        <p:nvPr/>
+      </p:nvGrpSpPr>
+      <p:grpSpPr>
+        <a:xfrm>
+          <a:off x="0" y="0"/>
+          <a:ext cx="0" cy="0"/>
+          <a:chOff x="0" y="0"/>
+          <a:chExt cx="0" cy="0"/>
+        </a:xfrm>
+      </p:grpSpPr>
+      <p:sp>
+        <p:nvSpPr>
+          <p:cNvPr id="2" name="Titre 1">
+            <a:extLst>
+              <a:ext uri="{FF2B5EF4-FFF2-40B4-BE49-F238E27FC236}">
+                <a16:creationId xmlns:a16="http://schemas.microsoft.com/office/drawing/2014/main" id="{C1DD926E-FAC8-4AD3-9A9E-265980DA1B6B}"/>
+              </a:ext>
+            </a:extLst>
+          </p:cNvPr>
+          <p:cNvSpPr>
+            <a:spLocks noGrp="1"/>
+          </p:cNvSpPr>
+          <p:nvPr>
+            <p:ph type="title"/>
+          </p:nvPr>
+        </p:nvSpPr>
+        <p:spPr/>
+        <p:txBody>
+          <a:bodyPr/>
+          <a:lstStyle/>
+          <a:p>
+            <a:r>
+              <a:rPr lang="en-US" dirty="0"/>
+              <a:t>CNNs for time series analysis</a:t>
+            </a:r>
+          </a:p>
+        </p:txBody>
+      </p:sp>
+      <p:sp>
+        <p:nvSpPr>
+          <p:cNvPr id="3" name="Espace réservé du texte 2">
+            <a:extLst>
+              <a:ext uri="{FF2B5EF4-FFF2-40B4-BE49-F238E27FC236}">
+                <a16:creationId xmlns:a16="http://schemas.microsoft.com/office/drawing/2014/main" id="{A7341B50-8ADE-4F13-85BD-C1FE2833C2DA}"/>
+              </a:ext>
+            </a:extLst>
+          </p:cNvPr>
+          <p:cNvSpPr>
+            <a:spLocks noGrp="1"/>
+          </p:cNvSpPr>
+          <p:nvPr>
+            <p:ph type="body" sz="quarter" idx="10"/>
+          </p:nvPr>
+        </p:nvSpPr>
+        <p:spPr/>
+        <p:txBody>
+          <a:bodyPr/>
+          <a:lstStyle/>
+          <a:p>
+            <a:r>
+              <a:rPr lang="en-US" dirty="0"/>
+              <a:t>CNNs perform </a:t>
+            </a:r>
+            <a:r>
+              <a:rPr lang="en-US" b="1" dirty="0"/>
+              <a:t>automatic feature construction</a:t>
+            </a:r>
+          </a:p>
+          <a:p>
+            <a:r>
+              <a:rPr lang="en-US" dirty="0"/>
+              <a:t>There are alternatives, using expert-designed features</a:t>
+            </a:r>
+          </a:p>
+          <a:p>
+            <a:r>
+              <a:rPr lang="en-US" dirty="0"/>
+              <a:t>For example, python library </a:t>
+            </a:r>
+            <a:r>
+              <a:rPr lang="en-US" b="1" dirty="0" err="1"/>
+              <a:t>tsfresh</a:t>
+            </a:r>
+            <a:endParaRPr lang="en-US" b="1" dirty="0"/>
+          </a:p>
+          <a:p>
+            <a:pPr lvl="1"/>
+            <a:r>
+              <a:rPr lang="en-US" dirty="0"/>
+              <a:t>Transform the dynamic problem into a series of static features</a:t>
+            </a:r>
+          </a:p>
+          <a:p>
+            <a:pPr lvl="1"/>
+            <a:r>
+              <a:rPr lang="en-US" dirty="0"/>
+              <a:t>This is </a:t>
+            </a:r>
+            <a:r>
+              <a:rPr lang="en-US" i="1" dirty="0"/>
+              <a:t>tabular data</a:t>
+            </a:r>
+            <a:r>
+              <a:rPr lang="en-US" dirty="0"/>
+              <a:t>! Apply classic ML algorithms</a:t>
+            </a:r>
+          </a:p>
+          <a:p>
+            <a:pPr lvl="1"/>
+            <a:r>
+              <a:rPr lang="en-US" dirty="0"/>
+              <a:t>(IMHO) Decent for classification, not so much for forecasting</a:t>
+            </a:r>
+          </a:p>
+        </p:txBody>
+      </p:sp>
+    </p:spTree>
+    <p:extLst>
+      <p:ext uri="{BB962C8B-B14F-4D97-AF65-F5344CB8AC3E}">
+        <p14:creationId xmlns:p14="http://schemas.microsoft.com/office/powerpoint/2010/main" val="1691799692"/>
+      </p:ext>
+    </p:extLst>
+  </p:cSld>
+  <p:clrMapOvr>
+    <a:masterClrMapping/>
+  </p:clrMapOvr>
+</p:sld>
+</file>
+
+<file path=ppt/slides/slide18.xml><?xml version="1.0" encoding="utf-8"?>
+<p:sld xmlns:a="http://schemas.openxmlformats.org/drawingml/2006/main" xmlns:r="http://schemas.openxmlformats.org/officeDocument/2006/relationships" xmlns:p="http://schemas.openxmlformats.org/presentationml/2006/main">
+  <p:cSld>
+    <p:spTree>
+      <p:nvGrpSpPr>
+        <p:cNvPr id="1" name=""/>
+        <p:cNvGrpSpPr/>
+        <p:nvPr/>
+      </p:nvGrpSpPr>
+      <p:grpSpPr>
+        <a:xfrm>
+          <a:off x="0" y="0"/>
+          <a:ext cx="0" cy="0"/>
+          <a:chOff x="0" y="0"/>
+          <a:chExt cx="0" cy="0"/>
+        </a:xfrm>
+      </p:grpSpPr>
+      <p:sp>
+        <p:nvSpPr>
+          <p:cNvPr id="2" name="Titre 1">
+            <a:extLst>
+              <a:ext uri="{FF2B5EF4-FFF2-40B4-BE49-F238E27FC236}">
+                <a16:creationId xmlns:a16="http://schemas.microsoft.com/office/drawing/2014/main" id="{8C01C25D-E2AC-434A-898B-2D24C862C33B}"/>
+              </a:ext>
+            </a:extLst>
+          </p:cNvPr>
+          <p:cNvSpPr>
+            <a:spLocks noGrp="1"/>
+          </p:cNvSpPr>
+          <p:nvPr>
+            <p:ph type="title"/>
+          </p:nvPr>
+        </p:nvSpPr>
+        <p:spPr/>
+        <p:txBody>
+          <a:bodyPr/>
+          <a:lstStyle/>
+          <a:p>
+            <a:r>
+              <a:rPr lang="en-US" dirty="0"/>
+              <a:t>Structured data</a:t>
+            </a:r>
+          </a:p>
+        </p:txBody>
+      </p:sp>
+      <p:sp>
+        <p:nvSpPr>
+          <p:cNvPr id="3" name="Espace réservé du texte 2">
+            <a:extLst>
+              <a:ext uri="{FF2B5EF4-FFF2-40B4-BE49-F238E27FC236}">
+                <a16:creationId xmlns:a16="http://schemas.microsoft.com/office/drawing/2014/main" id="{1D9638B2-A8B9-4A1A-AFE7-066B072DF582}"/>
+              </a:ext>
+            </a:extLst>
+          </p:cNvPr>
+          <p:cNvSpPr>
+            <a:spLocks noGrp="1"/>
+          </p:cNvSpPr>
+          <p:nvPr>
+            <p:ph type="body" sz="quarter" idx="10"/>
+          </p:nvPr>
+        </p:nvSpPr>
+        <p:spPr/>
+        <p:txBody>
+          <a:bodyPr/>
+          <a:lstStyle/>
+          <a:p>
+            <a:r>
+              <a:rPr lang="en-US" dirty="0"/>
+              <a:t>In general, every data where adjacency has </a:t>
             </a:r>
             <a:r>
               <a:rPr lang="en-US" b="1" dirty="0"/>
@@ -4194,7 +5207,7 @@
           <a:p>
             <a:r>
               <a:rPr lang="en-US" dirty="0"/>
-              <a:t>Pooling (or </a:t>
+              <a:t>Pooling (</a:t>
             </a:r>
             <a:r>
               <a:rPr lang="en-US" dirty="0" err="1"/>
@@ -4398,7 +5411,7 @@
           <a:p>
             <a:r>
               <a:rPr lang="en-US" dirty="0"/>
-              <a:t>Pooling (or </a:t>
+              <a:t>Pooling (</a:t>
             </a:r>
             <a:r>
               <a:rPr lang="en-US" dirty="0" err="1"/>
@@ -4748,4 +5761,299 @@
     </a:ext>
   </a:extLst>
 </a:theme>
+</file>
+
+<file path=ppt/theme/theme2.xml><?xml version="1.0" encoding="utf-8"?>
+<a:theme xmlns:a="http://schemas.openxmlformats.org/drawingml/2006/main" name="Thème Office">
+  <a:themeElements>
+    <a:clrScheme name="Office">
+      <a:dk1>
+        <a:sysClr val="windowText" lastClr="000000"/>
+      </a:dk1>
+      <a:lt1>
+        <a:sysClr val="window" lastClr="FFFFFF"/>
+      </a:lt1>
+      <a:dk2>
+        <a:srgbClr val="44546A"/>
+      </a:dk2>
+      <a:lt2>
+        <a:srgbClr val="E7E6E6"/>
+      </a:lt2>
+      <a:accent1>
+        <a:srgbClr val="4472C4"/>
+      </a:accent1>
+      <a:accent2>
+        <a:srgbClr val="ED7D31"/>
+      </a:accent2>
+      <a:accent3>
+        <a:srgbClr val="A5A5A5"/>
+      </a:accent3>
+      <a:accent4>
+        <a:srgbClr val="FFC000"/>
+      </a:accent4>
+      <a:accent5>
+        <a:srgbClr val="5B9BD5"/>
+      </a:accent5>
+      <a:accent6>
+        <a:srgbClr val="70AD47"/>
+      </a:accent6>
+      <a:hlink>
+        <a:srgbClr val="0563C1"/>
+      </a:hlink>
+      <a:folHlink>
+        <a:srgbClr val="954F72"/>
+      </a:folHlink>
+    </a:clrScheme>
+    <a:fontScheme name="Office">
+      <a:majorFont>
+        <a:latin typeface="Calibri Light" panose="020F0302020204030204"/>
+        <a:ea typeface=""/>
+        <a:cs typeface=""/>
+        <a:font script="Jpan" typeface="游ゴシック Light"/>
+        <a:font script="Hang" typeface="맑은 고딕"/>
+        <a:font script="Hans" typeface="等线 Light"/>
+        <a:font script="Hant" typeface="新細明體"/>
+        <a:font script="Arab" typeface="Times New Roman"/>
+        <a:font script="Hebr" typeface="Times New Roman"/>
+        <a:font script="Thai" typeface="Angsana New"/>
+        <a:font script="Ethi" typeface="Nyala"/>
+        <a:font script="Beng" typeface="Vrinda"/>
+        <a:font script="Gujr" typeface="Shruti"/>
+        <a:font script="Khmr" typeface="MoolBoran"/>
+        <a:font script="Knda" typeface="Tunga"/>
+        <a:font script="Guru" typeface="Raavi"/>
+        <a:font script="Cans" typeface="Euphemia"/>
+        <a:font script="Cher" typeface="Plantagenet Cherokee"/>
+        <a:font script="Yiii" typeface="Microsoft Yi Baiti"/>
+        <a:font script="Tibt" typeface="Microsoft Himalaya"/>
+        <a:font script="Thaa" typeface="MV Boli"/>
+        <a:font script="Deva" typeface="Mangal"/>
+        <a:font script="Telu" typeface="Gautami"/>
+        <a:font script="Taml" typeface="Latha"/>
+        <a:font script="Syrc" typeface="Estrangelo Edessa"/>
+        <a:font script="Orya" typeface="Kalinga"/>
+        <a:font script="Mlym" typeface="Kartika"/>
+        <a:font script="Laoo" typeface="DokChampa"/>
+        <a:font script="Sinh" typeface="Iskoola Pota"/>
+        <a:font script="Mong" typeface="Mongolian Baiti"/>
+        <a:font script="Viet" typeface="Times New Roman"/>
+        <a:font script="Uigh" typeface="Microsoft Uighur"/>
+        <a:font script="Geor" typeface="Sylfaen"/>
+        <a:font script="Armn" typeface="Arial"/>
+        <a:font script="Bugi" typeface="Leelawadee UI"/>
+        <a:font script="Bopo" typeface="Microsoft JhengHei"/>
+        <a:font script="Java" typeface="Javanese Text"/>
+        <a:font script="Lisu" typeface="Segoe UI"/>
+        <a:font script="Mymr" typeface="Myanmar Text"/>
+        <a:font script="Nkoo" typeface="Ebrima"/>
+        <a:font script="Olck" typeface="Nirmala UI"/>
+        <a:font script="Osma" typeface="Ebrima"/>
+        <a:font script="Phag" typeface="Phagspa"/>
+        <a:font script="Syrn" typeface="Estrangelo Edessa"/>
+        <a:font script="Syrj" typeface="Estrangelo Edessa"/>
+        <a:font script="Syre" typeface="Estrangelo Edessa"/>
+        <a:font script="Sora" typeface="Nirmala UI"/>
+        <a:font script="Tale" typeface="Microsoft Tai Le"/>
+        <a:font script="Talu" typeface="Microsoft New Tai Lue"/>
+        <a:font script="Tfng" typeface="Ebrima"/>
+      </a:majorFont>
+      <a:minorFont>
+        <a:latin typeface="Calibri" panose="020F0502020204030204"/>
+        <a:ea typeface=""/>
+        <a:cs typeface=""/>
+        <a:font script="Jpan" typeface="游ゴシック"/>
+        <a:font script="Hang" typeface="맑은 고딕"/>
+        <a:font script="Hans" typeface="等线"/>
+        <a:font script="Hant" typeface="新細明體"/>
+        <a:font script="Arab" typeface="Arial"/>
+        <a:font script="Hebr" typeface="Arial"/>
+        <a:font script="Thai" typeface="Cordia New"/>
+        <a:font script="Ethi" typeface="Nyala"/>
+        <a:font script="Beng" typeface="Vrinda"/>
+        <a:font script="Gujr" typeface="Shruti"/>
+        <a:font script="Khmr" typeface="DaunPenh"/>
+        <a:font script="Knda" typeface="Tunga"/>
+        <a:font script="Guru" typeface="Raavi"/>
+        <a:font script="Cans" typeface="Euphemia"/>
+        <a:font script="Cher" typeface="Plantagenet Cherokee"/>
+        <a:font script="Yiii" typeface="Microsoft Yi Baiti"/>
+        <a:font script="Tibt" typeface="Microsoft Himalaya"/>
+        <a:font script="Thaa" typeface="MV Boli"/>
+        <a:font script="Deva" typeface="Mangal"/>
+        <a:font script="Telu" typeface="Gautami"/>
+        <a:font script="Taml" typeface="Latha"/>
+        <a:font script="Syrc" typeface="Estrangelo Edessa"/>
+        <a:font script="Orya" typeface="Kalinga"/>
+        <a:font script="Mlym" typeface="Kartika"/>
+        <a:font script="Laoo" typeface="DokChampa"/>
+        <a:font script="Sinh" typeface="Iskoola Pota"/>
+        <a:font script="Mong" typeface="Mongolian Baiti"/>
+        <a:font script="Viet" typeface="Arial"/>
+        <a:font script="Uigh" typeface="Microsoft Uighur"/>
+        <a:font script="Geor" typeface="Sylfaen"/>
+        <a:font script="Armn" typeface="Arial"/>
+        <a:font script="Bugi" typeface="Leelawadee UI"/>
+        <a:font script="Bopo" typeface="Microsoft JhengHei"/>
+        <a:font script="Java" typeface="Javanese Text"/>
+        <a:font script="Lisu" typeface="Segoe UI"/>
+        <a:font script="Mymr" typeface="Myanmar Text"/>
+        <a:font script="Nkoo" typeface="Ebrima"/>
+        <a:font script="Olck" typeface="Nirmala UI"/>
+        <a:font script="Osma" typeface="Ebrima"/>
+        <a:font script="Phag" typeface="Phagspa"/>
+        <a:font script="Syrn" typeface="Estrangelo Edessa"/>
+        <a:font script="Syrj" typeface="Estrangelo Edessa"/>
+        <a:font script="Syre" typeface="Estrangelo Edessa"/>
+        <a:font script="Sora" typeface="Nirmala UI"/>
+        <a:font script="Tale" typeface="Microsoft Tai Le"/>
+        <a:font script="Talu" typeface="Microsoft New Tai Lue"/>
+        <a:font script="Tfng" typeface="Ebrima"/>
+      </a:minorFont>
+    </a:fontScheme>
+    <a:fmtScheme name="Office">
+      <a:fillStyleLst>
+        <a:solidFill>
+          <a:schemeClr val="phClr"/>
+        </a:solidFill>
+        <a:gradFill rotWithShape="1">
+          <a:gsLst>
+            <a:gs pos="0">
+              <a:schemeClr val="phClr">
+                <a:lumMod val="110000"/>
+                <a:satMod val="105000"/>
+                <a:tint val="67000"/>
+              </a:schemeClr>
+            </a:gs>
+            <a:gs pos="50000">
+              <a:schemeClr val="phClr">
+                <a:lumMod val="105000"/>
+                <a:satMod val="103000"/>
+                <a:tint val="73000"/>
+              </a:schemeClr>
+            </a:gs>
+            <a:gs pos="100000">
+              <a:schemeClr val="phClr">
+                <a:lumMod val="105000"/>
+                <a:satMod val="109000"/>
+                <a:tint val="81000"/>
+              </a:schemeClr>
+            </a:gs>
+          </a:gsLst>
+          <a:lin ang="5400000" scaled="0"/>
+        </a:gradFill>
+        <a:gradFill rotWithShape="1">
+          <a:gsLst>
+            <a:gs pos="0">
+              <a:schemeClr val="phClr">
+                <a:satMod val="103000"/>
+                <a:lumMod val="102000"/>
+                <a:tint val="94000"/>
+              </a:schemeClr>
+            </a:gs>
+            <a:gs pos="50000">
+              <a:schemeClr val="phClr">
+                <a:satMod val="110000"/>
+                <a:lumMod val="100000"/>
+                <a:shade val="100000"/>
+              </a:schemeClr>
+            </a:gs>
+            <a:gs pos="100000">
+              <a:schemeClr val="phClr">
+                <a:lumMod val="99000"/>
+                <a:satMod val="120000"/>
+                <a:shade val="78000"/>
+              </a:schemeClr>
+            </a:gs>
+          </a:gsLst>
+          <a:lin ang="5400000" scaled="0"/>
+        </a:gradFill>
+      </a:fillStyleLst>
+      <a:lnStyleLst>
+        <a:ln w="6350" cap="flat" cmpd="sng" algn="ctr">
+          <a:solidFill>
+            <a:schemeClr val="phClr"/>
+          </a:solidFill>
+          <a:prstDash val="solid"/>
+          <a:miter lim="800000"/>
+        </a:ln>
+        <a:ln w="12700" cap="flat" cmpd="sng" algn="ctr">
+          <a:solidFill>
+            <a:schemeClr val="phClr"/>
+          </a:solidFill>
+          <a:prstDash val="solid"/>
+          <a:miter lim="800000"/>
+        </a:ln>
+        <a:ln w="19050" cap="flat" cmpd="sng" algn="ctr">
+          <a:solidFill>
+            <a:schemeClr val="phClr"/>
+          </a:solidFill>
+          <a:prstDash val="solid"/>
+          <a:miter lim="800000"/>
+        </a:ln>
+      </a:lnStyleLst>
+      <a:effectStyleLst>
+        <a:effectStyle>
+          <a:effectLst/>
+        </a:effectStyle>
+        <a:effectStyle>
+          <a:effectLst/>
+        </a:effectStyle>
+        <a:effectStyle>
+          <a:effectLst>
+            <a:outerShdw blurRad="57150" dist="19050" dir="5400000" algn="ctr" rotWithShape="0">
+              <a:srgbClr val="000000">
+                <a:alpha val="63000"/>
+              </a:srgbClr>
+            </a:outerShdw>
+          </a:effectLst>
+        </a:effectStyle>
+      </a:effectStyleLst>
+      <a:bgFillStyleLst>
+        <a:solidFill>
+          <a:schemeClr val="phClr"/>
+        </a:solidFill>
+        <a:solidFill>
+          <a:schemeClr val="phClr">
+            <a:tint val="95000"/>
+            <a:satMod val="170000"/>
+          </a:schemeClr>
+        </a:solidFill>
+        <a:gradFill rotWithShape="1">
+          <a:gsLst>
+            <a:gs pos="0">
+              <a:schemeClr val="phClr">
+                <a:tint val="93000"/>
+                <a:satMod val="150000"/>
+                <a:shade val="98000"/>
+                <a:lumMod val="102000"/>
+              </a:schemeClr>
+            </a:gs>
+            <a:gs pos="50000">
+              <a:schemeClr val="phClr">
+                <a:tint val="98000"/>
+                <a:satMod val="130000"/>
+                <a:shade val="90000"/>
+                <a:lumMod val="103000"/>
+              </a:schemeClr>
+            </a:gs>
+            <a:gs pos="100000">
+              <a:schemeClr val="phClr">
+                <a:shade val="63000"/>
+                <a:satMod val="120000"/>
+              </a:schemeClr>
+            </a:gs>
+          </a:gsLst>
+          <a:lin ang="5400000" scaled="0"/>
+        </a:gradFill>
+      </a:bgFillStyleLst>
+    </a:fmtScheme>
+  </a:themeElements>
+  <a:objectDefaults/>
+  <a:extraClrSchemeLst/>
+  <a:extLst>
+    <a:ext uri="{05A4C25C-085E-4340-85A3-A5531E510DB2}">
+      <thm15:themeFamily xmlns:thm15="http://schemas.microsoft.com/office/thememl/2012/main" name="Office Theme" id="{62F939B6-93AF-4DB8-9C6B-D6C7DFDC589F}" vid="{4A3C46E8-61CC-4603-A589-7422A47A8E4A}"/>
+    </a:ext>
+  </a:extLst>
+</a:theme>
 </file>
--- a/deep-learning-in-practice-with-pytorch/2-convolutional-neural-networks.pptx
+++ b/deep-learning-in-practice-with-pytorch/2-convolutional-neural-networks.pptx
@@ -5,7 +5,7 @@
     <p:sldMasterId id="2147483648" r:id="rId1"/>
   </p:sldMasterIdLst>
   <p:notesMasterIdLst>
-    <p:notesMasterId r:id="rId20"/>
+    <p:notesMasterId r:id="rId23"/>
   </p:notesMasterIdLst>
   <p:sldIdLst>
     <p:sldId id="257" r:id="rId2"/>
@@ -23,9 +23,12 @@
     <p:sldId id="273" r:id="rId14"/>
     <p:sldId id="274" r:id="rId15"/>
     <p:sldId id="275" r:id="rId16"/>
-    <p:sldId id="262" r:id="rId17"/>
-    <p:sldId id="261" r:id="rId18"/>
-    <p:sldId id="271" r:id="rId19"/>
+    <p:sldId id="406" r:id="rId17"/>
+    <p:sldId id="407" r:id="rId18"/>
+    <p:sldId id="262" r:id="rId19"/>
+    <p:sldId id="261" r:id="rId20"/>
+    <p:sldId id="271" r:id="rId21"/>
+    <p:sldId id="405" r:id="rId22"/>
   </p:sldIdLst>
   <p:sldSz cx="12192000" cy="6858000"/>
   <p:notesSz cx="6858000" cy="9144000"/>
@@ -214,7 +217,7 @@
           <a:p>
             <a:fld id="{A8094676-7E06-4783-89DE-4FAD3538CC8F}" type="datetimeFigureOut">
               <a:rPr lang="en-US" smtClean="0"/>
-              <a:t>4/4/2024</a:t>
+              <a:t>4/6/2024</a:t>
             </a:fld>
             <a:endParaRPr lang="en-US"/>
           </a:p>
@@ -2863,15 +2866,15 @@
       </p:sp>
       <p:pic>
         <p:nvPicPr>
-          <p:cNvPr id="5" name="Image 4">
-            <a:extLst>
-              <a:ext uri="{FF2B5EF4-FFF2-40B4-BE49-F238E27FC236}">
-                <a16:creationId xmlns:a16="http://schemas.microsoft.com/office/drawing/2014/main" id="{4F704A1D-4BD3-4AAD-BA67-6E85C0111D7A}"/>
+          <p:cNvPr id="1026" name="Picture 2" descr="Visualization of the features from ResNet. a Input frame. b-e Features... |  Download Scientific Diagram">
+            <a:extLst>
+              <a:ext uri="{FF2B5EF4-FFF2-40B4-BE49-F238E27FC236}">
+                <a16:creationId xmlns:a16="http://schemas.microsoft.com/office/drawing/2014/main" id="{D44A6F29-A7CC-4FB5-AD51-4F6F548F6A7D}"/>
               </a:ext>
             </a:extLst>
           </p:cNvPr>
           <p:cNvPicPr>
-            <a:picLocks noChangeAspect="1"/>
+            <a:picLocks noChangeAspect="1" noChangeArrowheads="1"/>
           </p:cNvPicPr>
           <p:nvPr/>
         </p:nvPicPr>
@@ -2883,138 +2886,31 @@
               </a:ext>
             </a:extLst>
           </a:blip>
+          <a:srcRect/>
           <a:stretch>
             <a:fillRect/>
           </a:stretch>
         </p:blipFill>
-        <p:spPr>
+        <p:spPr bwMode="auto">
           <a:xfrm>
-            <a:off x="4025244" y="3049702"/>
-            <a:ext cx="6309477" cy="3443172"/>
-          </a:xfrm>
-          <a:prstGeom prst="rect">
-            <a:avLst/>
-          </a:prstGeom>
-        </p:spPr>
-      </p:pic>
-      <p:sp>
-        <p:nvSpPr>
-          <p:cNvPr id="4" name="Flèche : droite rayée 3">
-            <a:extLst>
-              <a:ext uri="{FF2B5EF4-FFF2-40B4-BE49-F238E27FC236}">
-                <a16:creationId xmlns:a16="http://schemas.microsoft.com/office/drawing/2014/main" id="{E1C34918-E168-473D-9C49-156F20ADAB29}"/>
-              </a:ext>
-            </a:extLst>
-          </p:cNvPr>
-          <p:cNvSpPr/>
-          <p:nvPr/>
-        </p:nvSpPr>
-        <p:spPr>
-          <a:xfrm rot="16200000">
-            <a:off x="2396675" y="4546411"/>
-            <a:ext cx="2511640" cy="593888"/>
-          </a:xfrm>
-          <a:prstGeom prst="stripedRightArrow">
-            <a:avLst/>
-          </a:prstGeom>
-        </p:spPr>
-        <p:style>
-          <a:lnRef idx="2">
-            <a:schemeClr val="accent6">
-              <a:shade val="50000"/>
-            </a:schemeClr>
-          </a:lnRef>
-          <a:fillRef idx="1">
-            <a:schemeClr val="accent6"/>
-          </a:fillRef>
-          <a:effectRef idx="0">
-            <a:schemeClr val="accent6"/>
-          </a:effectRef>
-          <a:fontRef idx="minor">
-            <a:schemeClr val="lt1"/>
-          </a:fontRef>
-        </p:style>
-        <p:txBody>
-          <a:bodyPr rtlCol="0" anchor="ctr"/>
-          <a:lstStyle/>
-          <a:p>
-            <a:pPr algn="ctr"/>
-            <a:endParaRPr lang="en-US"/>
-          </a:p>
-        </p:txBody>
-      </p:sp>
-      <p:sp>
-        <p:nvSpPr>
-          <p:cNvPr id="6" name="ZoneTexte 5">
-            <a:extLst>
-              <a:ext uri="{FF2B5EF4-FFF2-40B4-BE49-F238E27FC236}">
-                <a16:creationId xmlns:a16="http://schemas.microsoft.com/office/drawing/2014/main" id="{BA600276-C7C0-4491-A481-EF036F23D4B6}"/>
-              </a:ext>
-            </a:extLst>
-          </p:cNvPr>
-          <p:cNvSpPr txBox="1"/>
-          <p:nvPr/>
-        </p:nvSpPr>
-        <p:spPr>
-          <a:xfrm>
-            <a:off x="1724935" y="5764767"/>
-            <a:ext cx="1772312" cy="369332"/>
+            <a:off x="2047875" y="3018051"/>
+            <a:ext cx="8096250" cy="2914650"/>
           </a:xfrm>
           <a:prstGeom prst="rect">
             <a:avLst/>
           </a:prstGeom>
           <a:noFill/>
+          <a:extLst>
+            <a:ext uri="{909E8E84-426E-40DD-AFC4-6F175D3DCCD1}">
+              <a14:hiddenFill xmlns:a14="http://schemas.microsoft.com/office/drawing/2010/main">
+                <a:solidFill>
+                  <a:srgbClr val="FFFFFF"/>
+                </a:solidFill>
+              </a14:hiddenFill>
+            </a:ext>
+          </a:extLst>
         </p:spPr>
-        <p:txBody>
-          <a:bodyPr wrap="square" rtlCol="0">
-            <a:spAutoFit/>
-          </a:bodyPr>
-          <a:lstStyle/>
-          <a:p>
-            <a:pPr algn="ctr"/>
-            <a:r>
-              <a:rPr lang="en-US" dirty="0"/>
-              <a:t>First modules</a:t>
-            </a:r>
-          </a:p>
-        </p:txBody>
-      </p:sp>
-      <p:sp>
-        <p:nvSpPr>
-          <p:cNvPr id="7" name="ZoneTexte 6">
-            <a:extLst>
-              <a:ext uri="{FF2B5EF4-FFF2-40B4-BE49-F238E27FC236}">
-                <a16:creationId xmlns:a16="http://schemas.microsoft.com/office/drawing/2014/main" id="{AC9BBA79-08C6-492C-AB5B-E757D8F0EED7}"/>
-              </a:ext>
-            </a:extLst>
-          </p:cNvPr>
-          <p:cNvSpPr txBox="1"/>
-          <p:nvPr/>
-        </p:nvSpPr>
-        <p:spPr>
-          <a:xfrm>
-            <a:off x="1828642" y="3548532"/>
-            <a:ext cx="1564898" cy="369332"/>
-          </a:xfrm>
-          <a:prstGeom prst="rect">
-            <a:avLst/>
-          </a:prstGeom>
-          <a:noFill/>
-        </p:spPr>
-        <p:txBody>
-          <a:bodyPr wrap="square" rtlCol="0">
-            <a:spAutoFit/>
-          </a:bodyPr>
-          <a:lstStyle/>
-          <a:p>
-            <a:pPr algn="ctr"/>
-            <a:r>
-              <a:rPr lang="en-US" dirty="0"/>
-              <a:t>Last modules</a:t>
-            </a:r>
-          </a:p>
-        </p:txBody>
-      </p:sp>
+      </p:pic>
     </p:spTree>
     <p:extLst>
       <p:ext uri="{BB962C8B-B14F-4D97-AF65-F5344CB8AC3E}">
@@ -3094,7 +2990,10 @@
           <a:bodyPr/>
           <a:lstStyle/>
           <a:p>
-            <a:endParaRPr lang="en-US"/>
+            <a:r>
+              <a:rPr lang="en-US" dirty="0"/>
+              <a:t>Visualize features, creating images that max module output</a:t>
+            </a:r>
           </a:p>
         </p:txBody>
       </p:sp>
@@ -3126,8 +3025,8 @@
         </p:blipFill>
         <p:spPr>
           <a:xfrm>
-            <a:off x="2143125" y="1384778"/>
-            <a:ext cx="7905750" cy="4752975"/>
+            <a:off x="3478491" y="2187606"/>
+            <a:ext cx="6570384" cy="3950147"/>
           </a:xfrm>
           <a:prstGeom prst="rect">
             <a:avLst/>
@@ -3366,7 +3265,7 @@
           <p:cNvPr id="2" name="Titre 1">
             <a:extLst>
               <a:ext uri="{FF2B5EF4-FFF2-40B4-BE49-F238E27FC236}">
-                <a16:creationId xmlns:a16="http://schemas.microsoft.com/office/drawing/2014/main" id="{C86D7B50-8FD2-402E-AD11-1736D480542D}"/>
+                <a16:creationId xmlns:a16="http://schemas.microsoft.com/office/drawing/2014/main" id="{3363C481-5486-4740-B19D-62E12C751BA3}"/>
               </a:ext>
             </a:extLst>
           </p:cNvPr>
@@ -3384,7 +3283,7 @@
           <a:p>
             <a:r>
               <a:rPr lang="en-US" dirty="0"/>
-              <a:t>CNNs for non-images?</a:t>
+              <a:t>Style transfer</a:t>
             </a:r>
           </a:p>
         </p:txBody>
@@ -3394,7 +3293,7 @@
           <p:cNvPr id="3" name="Espace réservé du texte 2">
             <a:extLst>
               <a:ext uri="{FF2B5EF4-FFF2-40B4-BE49-F238E27FC236}">
-                <a16:creationId xmlns:a16="http://schemas.microsoft.com/office/drawing/2014/main" id="{F2BCE95D-3832-484D-BF53-525C3C3853C6}"/>
+                <a16:creationId xmlns:a16="http://schemas.microsoft.com/office/drawing/2014/main" id="{B336B9AE-FB2D-4BEA-B81B-50AC5B8B4360}"/>
               </a:ext>
             </a:extLst>
           </p:cNvPr>
@@ -3412,23 +3311,64 @@
           <a:p>
             <a:r>
               <a:rPr lang="en-US" dirty="0"/>
-              <a:t>Can you imagine to use the feature construction ability of CNNs to applications that are </a:t>
-            </a:r>
-            <a:r>
-              <a:rPr lang="en-US" i="1" dirty="0"/>
-              <a:t>not </a:t>
-            </a:r>
-            <a:r>
-              <a:rPr lang="en-US" dirty="0"/>
-              <a:t>related to vision?</a:t>
+              <a:t>Using the fact that weights in </a:t>
+            </a:r>
+            <a:br>
+              <a:rPr lang="en-US" dirty="0"/>
+            </a:br>
+            <a:r>
+              <a:rPr lang="en-US" dirty="0"/>
+              <a:t>modules capture features</a:t>
+            </a:r>
+          </a:p>
+          <a:p>
+            <a:r>
+              <a:rPr lang="en-US" dirty="0"/>
+              <a:t>“Style” is a feature</a:t>
+            </a:r>
+          </a:p>
+          <a:p>
+            <a:r>
+              <a:rPr lang="en-US" dirty="0"/>
+              <a:t>Apply style to content</a:t>
             </a:r>
           </a:p>
         </p:txBody>
       </p:sp>
+      <p:pic>
+        <p:nvPicPr>
+          <p:cNvPr id="5" name="Image 4">
+            <a:extLst>
+              <a:ext uri="{FF2B5EF4-FFF2-40B4-BE49-F238E27FC236}">
+                <a16:creationId xmlns:a16="http://schemas.microsoft.com/office/drawing/2014/main" id="{DD5CC5B2-4F1C-4B41-A18A-3C0C4B50ADA6}"/>
+              </a:ext>
+            </a:extLst>
+          </p:cNvPr>
+          <p:cNvPicPr>
+            <a:picLocks noChangeAspect="1"/>
+          </p:cNvPicPr>
+          <p:nvPr/>
+        </p:nvPicPr>
+        <p:blipFill>
+          <a:blip r:embed="rId2"/>
+          <a:stretch>
+            <a:fillRect/>
+          </a:stretch>
+        </p:blipFill>
+        <p:spPr>
+          <a:xfrm>
+            <a:off x="6561056" y="1321641"/>
+            <a:ext cx="4792744" cy="5365363"/>
+          </a:xfrm>
+          <a:prstGeom prst="rect">
+            <a:avLst/>
+          </a:prstGeom>
+        </p:spPr>
+      </p:pic>
     </p:spTree>
     <p:extLst>
       <p:ext uri="{BB962C8B-B14F-4D97-AF65-F5344CB8AC3E}">
-        <p14:creationId xmlns:p14="http://schemas.microsoft.com/office/powerpoint/2010/main" val="4089647688"/>
+        <p14:creationId xmlns:p14="http://schemas.microsoft.com/office/powerpoint/2010/main" val="2102311270"/>
       </p:ext>
     </p:extLst>
   </p:cSld>
@@ -3460,7 +3400,7 @@
           <p:cNvPr id="2" name="Titre 1">
             <a:extLst>
               <a:ext uri="{FF2B5EF4-FFF2-40B4-BE49-F238E27FC236}">
-                <a16:creationId xmlns:a16="http://schemas.microsoft.com/office/drawing/2014/main" id="{C1DD926E-FAC8-4AD3-9A9E-265980DA1B6B}"/>
+                <a16:creationId xmlns:a16="http://schemas.microsoft.com/office/drawing/2014/main" id="{6B9D14D2-58BE-4719-9F78-0BBACA49F192}"/>
               </a:ext>
             </a:extLst>
           </p:cNvPr>
@@ -3478,7 +3418,7 @@
           <a:p>
             <a:r>
               <a:rPr lang="en-US" dirty="0"/>
-              <a:t>CNNs for time series analysis</a:t>
+              <a:t>Style transfer</a:t>
             </a:r>
           </a:p>
         </p:txBody>
@@ -3488,7 +3428,7 @@
           <p:cNvPr id="3" name="Espace réservé du texte 2">
             <a:extLst>
               <a:ext uri="{FF2B5EF4-FFF2-40B4-BE49-F238E27FC236}">
-                <a16:creationId xmlns:a16="http://schemas.microsoft.com/office/drawing/2014/main" id="{A7341B50-8ADE-4F13-85BD-C1FE2833C2DA}"/>
+                <a16:creationId xmlns:a16="http://schemas.microsoft.com/office/drawing/2014/main" id="{C34CBB53-6A3E-44DA-A265-5A31B57F8195}"/>
               </a:ext>
             </a:extLst>
           </p:cNvPr>
@@ -3504,67 +3444,44 @@
           <a:bodyPr/>
           <a:lstStyle/>
           <a:p>
-            <a:r>
-              <a:rPr lang="en-US" dirty="0"/>
-              <a:t>CNNs perform </a:t>
-            </a:r>
-            <a:r>
-              <a:rPr lang="en-US" b="1" dirty="0"/>
-              <a:t>automatic feature construction</a:t>
-            </a:r>
-          </a:p>
-          <a:p>
-            <a:r>
-              <a:rPr lang="en-US" dirty="0"/>
-              <a:t>There are alternatives, using expert-designed features</a:t>
-            </a:r>
-          </a:p>
-          <a:p>
-            <a:r>
-              <a:rPr lang="en-US" dirty="0"/>
-              <a:t>For example, python library </a:t>
-            </a:r>
-            <a:r>
-              <a:rPr lang="en-US" b="1" dirty="0" err="1"/>
-              <a:t>tsfresh</a:t>
-            </a:r>
-            <a:endParaRPr lang="en-US" b="1" dirty="0"/>
-          </a:p>
-          <a:p>
-            <a:pPr lvl="1"/>
-            <a:r>
-              <a:rPr lang="en-US" dirty="0"/>
-              <a:t>Transform the dynamic problem into a series of static features</a:t>
-            </a:r>
-          </a:p>
-          <a:p>
-            <a:pPr lvl="1"/>
-            <a:r>
-              <a:rPr lang="en-US" dirty="0"/>
-              <a:t>This is </a:t>
-            </a:r>
-            <a:r>
-              <a:rPr lang="en-US" i="1" dirty="0"/>
-              <a:t>tabular data</a:t>
-            </a:r>
-            <a:r>
-              <a:rPr lang="en-US" dirty="0"/>
-              <a:t>! Apply classic ML algorithms</a:t>
-            </a:r>
-          </a:p>
-          <a:p>
-            <a:pPr lvl="1"/>
-            <a:r>
-              <a:rPr lang="en-US" dirty="0"/>
-              <a:t>(IMHO) Decent for classification, not so much for forecasting</a:t>
-            </a:r>
+            <a:endParaRPr lang="en-US"/>
           </a:p>
         </p:txBody>
       </p:sp>
+      <p:pic>
+        <p:nvPicPr>
+          <p:cNvPr id="5" name="Image 4">
+            <a:extLst>
+              <a:ext uri="{FF2B5EF4-FFF2-40B4-BE49-F238E27FC236}">
+                <a16:creationId xmlns:a16="http://schemas.microsoft.com/office/drawing/2014/main" id="{E65E3430-46DC-4C08-B657-2E1BCF8F8ABD}"/>
+              </a:ext>
+            </a:extLst>
+          </p:cNvPr>
+          <p:cNvPicPr>
+            <a:picLocks noChangeAspect="1"/>
+          </p:cNvPicPr>
+          <p:nvPr/>
+        </p:nvPicPr>
+        <p:blipFill>
+          <a:blip r:embed="rId2"/>
+          <a:stretch>
+            <a:fillRect/>
+          </a:stretch>
+        </p:blipFill>
+        <p:spPr>
+          <a:xfrm>
+            <a:off x="40869" y="28281"/>
+            <a:ext cx="12110262" cy="6858000"/>
+          </a:xfrm>
+          <a:prstGeom prst="rect">
+            <a:avLst/>
+          </a:prstGeom>
+        </p:spPr>
+      </p:pic>
     </p:spTree>
     <p:extLst>
       <p:ext uri="{BB962C8B-B14F-4D97-AF65-F5344CB8AC3E}">
-        <p14:creationId xmlns:p14="http://schemas.microsoft.com/office/powerpoint/2010/main" val="1691799692"/>
+        <p14:creationId xmlns:p14="http://schemas.microsoft.com/office/powerpoint/2010/main" val="958511991"/>
       </p:ext>
     </p:extLst>
   </p:cSld>
@@ -3596,7 +3513,7 @@
           <p:cNvPr id="2" name="Titre 1">
             <a:extLst>
               <a:ext uri="{FF2B5EF4-FFF2-40B4-BE49-F238E27FC236}">
-                <a16:creationId xmlns:a16="http://schemas.microsoft.com/office/drawing/2014/main" id="{8C01C25D-E2AC-434A-898B-2D24C862C33B}"/>
+                <a16:creationId xmlns:a16="http://schemas.microsoft.com/office/drawing/2014/main" id="{C86D7B50-8FD2-402E-AD11-1736D480542D}"/>
               </a:ext>
             </a:extLst>
           </p:cNvPr>
@@ -3614,7 +3531,7 @@
           <a:p>
             <a:r>
               <a:rPr lang="en-US" dirty="0"/>
-              <a:t>Structured data</a:t>
+              <a:t>CNNs for non-images?</a:t>
             </a:r>
           </a:p>
         </p:txBody>
@@ -3624,7 +3541,7 @@
           <p:cNvPr id="3" name="Espace réservé du texte 2">
             <a:extLst>
               <a:ext uri="{FF2B5EF4-FFF2-40B4-BE49-F238E27FC236}">
-                <a16:creationId xmlns:a16="http://schemas.microsoft.com/office/drawing/2014/main" id="{1D9638B2-A8B9-4A1A-AFE7-066B072DF582}"/>
+                <a16:creationId xmlns:a16="http://schemas.microsoft.com/office/drawing/2014/main" id="{F2BCE95D-3832-484D-BF53-525C3C3853C6}"/>
               </a:ext>
             </a:extLst>
           </p:cNvPr>
@@ -3642,56 +3559,15 @@
           <a:p>
             <a:r>
               <a:rPr lang="en-US" dirty="0"/>
-              <a:t>In general, every data where adjacency has </a:t>
-            </a:r>
-            <a:r>
-              <a:rPr lang="en-US" b="1" dirty="0"/>
-              <a:t>meaning</a:t>
-            </a:r>
-          </a:p>
-          <a:p>
-            <a:pPr lvl="1"/>
-            <a:r>
-              <a:rPr lang="en-US" dirty="0"/>
-              <a:t>DNA/RNA, for example</a:t>
-            </a:r>
-          </a:p>
-          <a:p>
-            <a:pPr lvl="1"/>
-            <a:r>
-              <a:rPr lang="en-US" dirty="0"/>
-              <a:t>Signals coming from spectrometry</a:t>
-            </a:r>
-          </a:p>
-          <a:p>
-            <a:pPr lvl="1"/>
-            <a:r>
-              <a:rPr lang="en-US" dirty="0"/>
-              <a:t>Voxels from 3D scans</a:t>
-            </a:r>
-          </a:p>
-          <a:p>
-            <a:pPr lvl="1"/>
-            <a:r>
-              <a:rPr lang="en-US" dirty="0"/>
-              <a:t>Adjacent nodes in a graph (Convolutional Graph Neural Networks)</a:t>
-            </a:r>
-          </a:p>
-          <a:p>
-            <a:endParaRPr lang="en-US" dirty="0"/>
-          </a:p>
-          <a:p>
-            <a:r>
-              <a:rPr lang="en-US" dirty="0"/>
-              <a:t>The only big difference is the </a:t>
-            </a:r>
-            <a:r>
-              <a:rPr lang="en-US" b="1" dirty="0"/>
-              <a:t>shape</a:t>
-            </a:r>
-            <a:r>
-              <a:rPr lang="en-US" dirty="0"/>
-              <a:t> of convolutional filters</a:t>
+              <a:t>Can you imagine to use the feature construction ability of CNNs to applications that are </a:t>
+            </a:r>
+            <a:r>
+              <a:rPr lang="en-US" i="1" dirty="0"/>
+              <a:t>not </a:t>
+            </a:r>
+            <a:r>
+              <a:rPr lang="en-US" dirty="0"/>
+              <a:t>related to vision?</a:t>
             </a:r>
           </a:p>
         </p:txBody>
@@ -3699,7 +3575,143 @@
     </p:spTree>
     <p:extLst>
       <p:ext uri="{BB962C8B-B14F-4D97-AF65-F5344CB8AC3E}">
-        <p14:creationId xmlns:p14="http://schemas.microsoft.com/office/powerpoint/2010/main" val="3203065365"/>
+        <p14:creationId xmlns:p14="http://schemas.microsoft.com/office/powerpoint/2010/main" val="4089647688"/>
+      </p:ext>
+    </p:extLst>
+  </p:cSld>
+  <p:clrMapOvr>
+    <a:masterClrMapping/>
+  </p:clrMapOvr>
+</p:sld>
+</file>
+
+<file path=ppt/slides/slide19.xml><?xml version="1.0" encoding="utf-8"?>
+<p:sld xmlns:a="http://schemas.openxmlformats.org/drawingml/2006/main" xmlns:r="http://schemas.openxmlformats.org/officeDocument/2006/relationships" xmlns:p="http://schemas.openxmlformats.org/presentationml/2006/main">
+  <p:cSld>
+    <p:spTree>
+      <p:nvGrpSpPr>
+        <p:cNvPr id="1" name=""/>
+        <p:cNvGrpSpPr/>
+        <p:nvPr/>
+      </p:nvGrpSpPr>
+      <p:grpSpPr>
+        <a:xfrm>
+          <a:off x="0" y="0"/>
+          <a:ext cx="0" cy="0"/>
+          <a:chOff x="0" y="0"/>
+          <a:chExt cx="0" cy="0"/>
+        </a:xfrm>
+      </p:grpSpPr>
+      <p:sp>
+        <p:nvSpPr>
+          <p:cNvPr id="2" name="Titre 1">
+            <a:extLst>
+              <a:ext uri="{FF2B5EF4-FFF2-40B4-BE49-F238E27FC236}">
+                <a16:creationId xmlns:a16="http://schemas.microsoft.com/office/drawing/2014/main" id="{C1DD926E-FAC8-4AD3-9A9E-265980DA1B6B}"/>
+              </a:ext>
+            </a:extLst>
+          </p:cNvPr>
+          <p:cNvSpPr>
+            <a:spLocks noGrp="1"/>
+          </p:cNvSpPr>
+          <p:nvPr>
+            <p:ph type="title"/>
+          </p:nvPr>
+        </p:nvSpPr>
+        <p:spPr/>
+        <p:txBody>
+          <a:bodyPr/>
+          <a:lstStyle/>
+          <a:p>
+            <a:r>
+              <a:rPr lang="en-US" dirty="0"/>
+              <a:t>CNNs for time series analysis</a:t>
+            </a:r>
+          </a:p>
+        </p:txBody>
+      </p:sp>
+      <p:sp>
+        <p:nvSpPr>
+          <p:cNvPr id="3" name="Espace réservé du texte 2">
+            <a:extLst>
+              <a:ext uri="{FF2B5EF4-FFF2-40B4-BE49-F238E27FC236}">
+                <a16:creationId xmlns:a16="http://schemas.microsoft.com/office/drawing/2014/main" id="{A7341B50-8ADE-4F13-85BD-C1FE2833C2DA}"/>
+              </a:ext>
+            </a:extLst>
+          </p:cNvPr>
+          <p:cNvSpPr>
+            <a:spLocks noGrp="1"/>
+          </p:cNvSpPr>
+          <p:nvPr>
+            <p:ph type="body" sz="quarter" idx="10"/>
+          </p:nvPr>
+        </p:nvSpPr>
+        <p:spPr/>
+        <p:txBody>
+          <a:bodyPr/>
+          <a:lstStyle/>
+          <a:p>
+            <a:r>
+              <a:rPr lang="en-US" dirty="0"/>
+              <a:t>CNNs perform </a:t>
+            </a:r>
+            <a:r>
+              <a:rPr lang="en-US" b="1" dirty="0"/>
+              <a:t>automatic feature construction</a:t>
+            </a:r>
+          </a:p>
+          <a:p>
+            <a:r>
+              <a:rPr lang="en-US" dirty="0"/>
+              <a:t>There are alternatives, using expert-designed features</a:t>
+            </a:r>
+          </a:p>
+          <a:p>
+            <a:r>
+              <a:rPr lang="en-US" dirty="0"/>
+              <a:t>For example, python library </a:t>
+            </a:r>
+            <a:r>
+              <a:rPr lang="en-US" b="1" dirty="0" err="1"/>
+              <a:t>tsfresh</a:t>
+            </a:r>
+            <a:endParaRPr lang="en-US" b="1" dirty="0"/>
+          </a:p>
+          <a:p>
+            <a:pPr lvl="1"/>
+            <a:r>
+              <a:rPr lang="en-US" dirty="0"/>
+              <a:t>Transform the dynamic problem into a series of static features</a:t>
+            </a:r>
+          </a:p>
+          <a:p>
+            <a:pPr lvl="1"/>
+            <a:r>
+              <a:rPr lang="en-US" dirty="0"/>
+              <a:t>This is </a:t>
+            </a:r>
+            <a:r>
+              <a:rPr lang="en-US" i="1" dirty="0"/>
+              <a:t>tabular data</a:t>
+            </a:r>
+            <a:r>
+              <a:rPr lang="en-US" dirty="0"/>
+              <a:t>! Apply classic ML algorithms</a:t>
+            </a:r>
+          </a:p>
+          <a:p>
+            <a:pPr lvl="1"/>
+            <a:r>
+              <a:rPr lang="en-US" dirty="0"/>
+              <a:t>(IMHO) Decent for classification, not so much for forecasting</a:t>
+            </a:r>
+          </a:p>
+        </p:txBody>
+      </p:sp>
+    </p:spTree>
+    <p:extLst>
+      <p:ext uri="{BB962C8B-B14F-4D97-AF65-F5344CB8AC3E}">
+        <p14:creationId xmlns:p14="http://schemas.microsoft.com/office/powerpoint/2010/main" val="1691799692"/>
       </p:ext>
     </p:extLst>
   </p:cSld>
@@ -3799,6 +3811,325 @@
     <p:extLst>
       <p:ext uri="{BB962C8B-B14F-4D97-AF65-F5344CB8AC3E}">
         <p14:creationId xmlns:p14="http://schemas.microsoft.com/office/powerpoint/2010/main" val="454349701"/>
+      </p:ext>
+    </p:extLst>
+  </p:cSld>
+  <p:clrMapOvr>
+    <a:masterClrMapping/>
+  </p:clrMapOvr>
+</p:sld>
+</file>
+
+<file path=ppt/slides/slide20.xml><?xml version="1.0" encoding="utf-8"?>
+<p:sld xmlns:a="http://schemas.openxmlformats.org/drawingml/2006/main" xmlns:r="http://schemas.openxmlformats.org/officeDocument/2006/relationships" xmlns:p="http://schemas.openxmlformats.org/presentationml/2006/main">
+  <p:cSld>
+    <p:spTree>
+      <p:nvGrpSpPr>
+        <p:cNvPr id="1" name=""/>
+        <p:cNvGrpSpPr/>
+        <p:nvPr/>
+      </p:nvGrpSpPr>
+      <p:grpSpPr>
+        <a:xfrm>
+          <a:off x="0" y="0"/>
+          <a:ext cx="0" cy="0"/>
+          <a:chOff x="0" y="0"/>
+          <a:chExt cx="0" cy="0"/>
+        </a:xfrm>
+      </p:grpSpPr>
+      <p:sp>
+        <p:nvSpPr>
+          <p:cNvPr id="2" name="Titre 1">
+            <a:extLst>
+              <a:ext uri="{FF2B5EF4-FFF2-40B4-BE49-F238E27FC236}">
+                <a16:creationId xmlns:a16="http://schemas.microsoft.com/office/drawing/2014/main" id="{8C01C25D-E2AC-434A-898B-2D24C862C33B}"/>
+              </a:ext>
+            </a:extLst>
+          </p:cNvPr>
+          <p:cNvSpPr>
+            <a:spLocks noGrp="1"/>
+          </p:cNvSpPr>
+          <p:nvPr>
+            <p:ph type="title"/>
+          </p:nvPr>
+        </p:nvSpPr>
+        <p:spPr/>
+        <p:txBody>
+          <a:bodyPr/>
+          <a:lstStyle/>
+          <a:p>
+            <a:r>
+              <a:rPr lang="en-US" dirty="0"/>
+              <a:t>Structured data</a:t>
+            </a:r>
+          </a:p>
+        </p:txBody>
+      </p:sp>
+      <p:sp>
+        <p:nvSpPr>
+          <p:cNvPr id="3" name="Espace réservé du texte 2">
+            <a:extLst>
+              <a:ext uri="{FF2B5EF4-FFF2-40B4-BE49-F238E27FC236}">
+                <a16:creationId xmlns:a16="http://schemas.microsoft.com/office/drawing/2014/main" id="{1D9638B2-A8B9-4A1A-AFE7-066B072DF582}"/>
+              </a:ext>
+            </a:extLst>
+          </p:cNvPr>
+          <p:cNvSpPr>
+            <a:spLocks noGrp="1"/>
+          </p:cNvSpPr>
+          <p:nvPr>
+            <p:ph type="body" sz="quarter" idx="10"/>
+          </p:nvPr>
+        </p:nvSpPr>
+        <p:spPr/>
+        <p:txBody>
+          <a:bodyPr/>
+          <a:lstStyle/>
+          <a:p>
+            <a:r>
+              <a:rPr lang="en-US" dirty="0"/>
+              <a:t>In general, every data where adjacency has </a:t>
+            </a:r>
+            <a:r>
+              <a:rPr lang="en-US" b="1" dirty="0"/>
+              <a:t>meaning</a:t>
+            </a:r>
+          </a:p>
+          <a:p>
+            <a:pPr lvl="1"/>
+            <a:r>
+              <a:rPr lang="en-US" dirty="0"/>
+              <a:t>DNA/RNA, for example</a:t>
+            </a:r>
+          </a:p>
+          <a:p>
+            <a:pPr lvl="1"/>
+            <a:r>
+              <a:rPr lang="en-US" dirty="0"/>
+              <a:t>Signals coming from spectrometry</a:t>
+            </a:r>
+          </a:p>
+          <a:p>
+            <a:pPr lvl="1"/>
+            <a:r>
+              <a:rPr lang="en-US" dirty="0"/>
+              <a:t>Voxels from 3D scans</a:t>
+            </a:r>
+          </a:p>
+          <a:p>
+            <a:pPr lvl="1"/>
+            <a:r>
+              <a:rPr lang="en-US" dirty="0"/>
+              <a:t>Adjacent nodes in a graph (Convolutional Graph Neural Networks)</a:t>
+            </a:r>
+          </a:p>
+          <a:p>
+            <a:endParaRPr lang="en-US" dirty="0"/>
+          </a:p>
+          <a:p>
+            <a:r>
+              <a:rPr lang="en-US" dirty="0"/>
+              <a:t>The only big difference is the </a:t>
+            </a:r>
+            <a:r>
+              <a:rPr lang="en-US" b="1" dirty="0"/>
+              <a:t>shape</a:t>
+            </a:r>
+            <a:r>
+              <a:rPr lang="en-US" dirty="0"/>
+              <a:t> of convolutional filters</a:t>
+            </a:r>
+          </a:p>
+        </p:txBody>
+      </p:sp>
+    </p:spTree>
+    <p:extLst>
+      <p:ext uri="{BB962C8B-B14F-4D97-AF65-F5344CB8AC3E}">
+        <p14:creationId xmlns:p14="http://schemas.microsoft.com/office/powerpoint/2010/main" val="3203065365"/>
+      </p:ext>
+    </p:extLst>
+  </p:cSld>
+  <p:clrMapOvr>
+    <a:masterClrMapping/>
+  </p:clrMapOvr>
+</p:sld>
+</file>
+
+<file path=ppt/slides/slide21.xml><?xml version="1.0" encoding="utf-8"?>
+<p:sld xmlns:a="http://schemas.openxmlformats.org/drawingml/2006/main" xmlns:r="http://schemas.openxmlformats.org/officeDocument/2006/relationships" xmlns:p="http://schemas.openxmlformats.org/presentationml/2006/main">
+  <p:cSld>
+    <p:spTree>
+      <p:nvGrpSpPr>
+        <p:cNvPr id="1" name=""/>
+        <p:cNvGrpSpPr/>
+        <p:nvPr/>
+      </p:nvGrpSpPr>
+      <p:grpSpPr>
+        <a:xfrm>
+          <a:off x="0" y="0"/>
+          <a:ext cx="0" cy="0"/>
+          <a:chOff x="0" y="0"/>
+          <a:chExt cx="0" cy="0"/>
+        </a:xfrm>
+      </p:grpSpPr>
+      <p:sp>
+        <p:nvSpPr>
+          <p:cNvPr id="4" name="Titre 3">
+            <a:extLst>
+              <a:ext uri="{FF2B5EF4-FFF2-40B4-BE49-F238E27FC236}">
+                <a16:creationId xmlns:a16="http://schemas.microsoft.com/office/drawing/2014/main" id="{B53E8A05-42BD-489E-BF5F-958C213739DF}"/>
+              </a:ext>
+            </a:extLst>
+          </p:cNvPr>
+          <p:cNvSpPr>
+            <a:spLocks noGrp="1"/>
+          </p:cNvSpPr>
+          <p:nvPr>
+            <p:ph type="ctrTitle"/>
+          </p:nvPr>
+        </p:nvSpPr>
+        <p:spPr/>
+        <p:txBody>
+          <a:bodyPr/>
+          <a:lstStyle/>
+          <a:p>
+            <a:r>
+              <a:rPr lang="en-US" dirty="0"/>
+              <a:t>Questions?</a:t>
+            </a:r>
+          </a:p>
+        </p:txBody>
+      </p:sp>
+      <p:sp>
+        <p:nvSpPr>
+          <p:cNvPr id="5" name="Sous-titre 4">
+            <a:extLst>
+              <a:ext uri="{FF2B5EF4-FFF2-40B4-BE49-F238E27FC236}">
+                <a16:creationId xmlns:a16="http://schemas.microsoft.com/office/drawing/2014/main" id="{CEB63DBD-0FC0-4057-AC92-1717C1D0ED55}"/>
+              </a:ext>
+            </a:extLst>
+          </p:cNvPr>
+          <p:cNvSpPr>
+            <a:spLocks noGrp="1"/>
+          </p:cNvSpPr>
+          <p:nvPr>
+            <p:ph type="subTitle" idx="1"/>
+          </p:nvPr>
+        </p:nvSpPr>
+        <p:spPr/>
+        <p:txBody>
+          <a:bodyPr>
+            <a:noAutofit/>
+          </a:bodyPr>
+          <a:lstStyle/>
+          <a:p>
+            <a:r>
+              <a:rPr lang="en-US" dirty="0"/>
+              <a:t>Bibliography</a:t>
+            </a:r>
+          </a:p>
+          <a:p>
+            <a:r>
+              <a:rPr lang="en-US" sz="1400" dirty="0"/>
+              <a:t>Images and videos: unless otherwise stated, I stole them from the Internet. I hope they are not copyrighted, or that their use falls under the Fair Use clause, and if not, I am sorry. Please don’t sue me.</a:t>
+            </a:r>
+          </a:p>
+        </p:txBody>
+      </p:sp>
+      <p:pic>
+        <p:nvPicPr>
+          <p:cNvPr id="6" name="Picture 2">
+            <a:extLst>
+              <a:ext uri="{FF2B5EF4-FFF2-40B4-BE49-F238E27FC236}">
+                <a16:creationId xmlns:a16="http://schemas.microsoft.com/office/drawing/2014/main" id="{6E214693-AB7E-4C54-8D7C-0391735F7C4F}"/>
+              </a:ext>
+            </a:extLst>
+          </p:cNvPr>
+          <p:cNvPicPr>
+            <a:picLocks noChangeAspect="1" noChangeArrowheads="1"/>
+          </p:cNvPicPr>
+          <p:nvPr/>
+        </p:nvPicPr>
+        <p:blipFill rotWithShape="1">
+          <a:blip r:embed="rId2" cstate="print">
+            <a:extLst>
+              <a:ext uri="{BEBA8EAE-BF5A-486C-A8C5-ECC9F3942E4B}">
+                <a14:imgProps xmlns:a14="http://schemas.microsoft.com/office/drawing/2010/main">
+                  <a14:imgLayer r:embed="rId3">
+                    <a14:imgEffect>
+                      <a14:backgroundRemoval t="22283" b="75673" l="54554" r="90983"/>
+                    </a14:imgEffect>
+                  </a14:imgLayer>
+                </a14:imgProps>
+              </a:ext>
+              <a:ext uri="{28A0092B-C50C-407E-A947-70E740481C1C}">
+                <a14:useLocalDpi xmlns:a14="http://schemas.microsoft.com/office/drawing/2010/main" val="0"/>
+              </a:ext>
+            </a:extLst>
+          </a:blip>
+          <a:srcRect l="50000" t="15610" r="4463" b="17653"/>
+          <a:stretch/>
+        </p:blipFill>
+        <p:spPr bwMode="auto">
+          <a:xfrm>
+            <a:off x="4938382" y="1037974"/>
+            <a:ext cx="1295445" cy="884352"/>
+          </a:xfrm>
+          <a:prstGeom prst="rect">
+            <a:avLst/>
+          </a:prstGeom>
+          <a:noFill/>
+          <a:extLst>
+            <a:ext uri="{909E8E84-426E-40DD-AFC4-6F175D3DCCD1}">
+              <a14:hiddenFill xmlns:a14="http://schemas.microsoft.com/office/drawing/2010/main">
+                <a:solidFill>
+                  <a:srgbClr val="FFFFFF"/>
+                </a:solidFill>
+              </a14:hiddenFill>
+            </a:ext>
+          </a:extLst>
+        </p:spPr>
+      </p:pic>
+      <p:pic>
+        <p:nvPicPr>
+          <p:cNvPr id="7" name="Image 6">
+            <a:extLst>
+              <a:ext uri="{FF2B5EF4-FFF2-40B4-BE49-F238E27FC236}">
+                <a16:creationId xmlns:a16="http://schemas.microsoft.com/office/drawing/2014/main" id="{414D43F9-35B6-46FA-B5D4-8F2F1AA72ED1}"/>
+              </a:ext>
+            </a:extLst>
+          </p:cNvPr>
+          <p:cNvPicPr>
+            <a:picLocks noChangeAspect="1"/>
+          </p:cNvPicPr>
+          <p:nvPr/>
+        </p:nvPicPr>
+        <p:blipFill>
+          <a:blip r:embed="rId4">
+            <a:extLst>
+              <a:ext uri="{28A0092B-C50C-407E-A947-70E740481C1C}">
+                <a14:useLocalDpi xmlns:a14="http://schemas.microsoft.com/office/drawing/2010/main" val="0"/>
+              </a:ext>
+            </a:extLst>
+          </a:blip>
+          <a:stretch>
+            <a:fillRect/>
+          </a:stretch>
+        </p:blipFill>
+        <p:spPr>
+          <a:xfrm>
+            <a:off x="6383826" y="1073027"/>
+            <a:ext cx="1642424" cy="574848"/>
+          </a:xfrm>
+          <a:prstGeom prst="rect">
+            <a:avLst/>
+          </a:prstGeom>
+        </p:spPr>
+      </p:pic>
+    </p:spTree>
+    <p:extLst>
+      <p:ext uri="{BB962C8B-B14F-4D97-AF65-F5344CB8AC3E}">
+        <p14:creationId xmlns:p14="http://schemas.microsoft.com/office/powerpoint/2010/main" val="938009228"/>
       </p:ext>
     </p:extLst>
   </p:cSld>
@@ -4900,7 +5231,7 @@
             <a:pPr lvl="1"/>
             <a:r>
               <a:rPr lang="en-US" dirty="0"/>
-              <a:t>Learn patterns by adjusting weights</a:t>
+              <a:t>Learn patterns freely by adjusting weights</a:t>
             </a:r>
           </a:p>
           <a:p>

--- a/deep-learning-in-practice-with-pytorch/2-convolutional-neural-networks.pptx
+++ b/deep-learning-in-practice-with-pytorch/2-convolutional-neural-networks.pptx
@@ -217,7 +217,7 @@
           <a:p>
             <a:fld id="{A8094676-7E06-4783-89DE-4FAD3538CC8F}" type="datetimeFigureOut">
               <a:rPr lang="en-US" smtClean="0"/>
-              <a:t>4/6/2024</a:t>
+              <a:t>4/9/2024</a:t>
             </a:fld>
             <a:endParaRPr lang="en-US"/>
           </a:p>
